--- a/LOTTO.pptx
+++ b/LOTTO.pptx
@@ -5,7 +5,7 @@
     <p:sldMasterId id="2147483648" r:id="rId1"/>
   </p:sldMasterIdLst>
   <p:notesMasterIdLst>
-    <p:notesMasterId r:id="rId7"/>
+    <p:notesMasterId r:id="rId13"/>
   </p:notesMasterIdLst>
   <p:sldIdLst>
     <p:sldId id="256" r:id="rId2"/>
@@ -13,6 +13,12 @@
     <p:sldId id="275" r:id="rId4"/>
     <p:sldId id="277" r:id="rId5"/>
     <p:sldId id="276" r:id="rId6"/>
+    <p:sldId id="279" r:id="rId7"/>
+    <p:sldId id="280" r:id="rId8"/>
+    <p:sldId id="281" r:id="rId9"/>
+    <p:sldId id="282" r:id="rId10"/>
+    <p:sldId id="283" r:id="rId11"/>
+    <p:sldId id="278" r:id="rId12"/>
   </p:sldIdLst>
   <p:sldSz cx="12192000" cy="6858000"/>
   <p:notesSz cx="6858000" cy="9144000"/>
@@ -213,7 +219,7 @@
           <a:p>
             <a:fld id="{E84CB627-A4B2-9C43-B9D0-16F9AC0C1E45}" type="datetimeFigureOut">
               <a:rPr lang="fr-FR" smtClean="0"/>
-              <a:t>21/06/2022</a:t>
+              <a:t>22/06/2022</a:t>
             </a:fld>
             <a:endParaRPr lang="fr-FR"/>
           </a:p>
@@ -3696,6 +3702,1287 @@
 </p:sld>
 </file>
 
+<file path=ppt/slides/slide10.xml><?xml version="1.0" encoding="utf-8"?>
+<p:sld xmlns:a="http://schemas.openxmlformats.org/drawingml/2006/main" xmlns:r="http://schemas.openxmlformats.org/officeDocument/2006/relationships" xmlns:p="http://schemas.openxmlformats.org/presentationml/2006/main">
+  <p:cSld>
+    <p:spTree>
+      <p:nvGrpSpPr>
+        <p:cNvPr id="1" name=""/>
+        <p:cNvGrpSpPr/>
+        <p:nvPr/>
+      </p:nvGrpSpPr>
+      <p:grpSpPr>
+        <a:xfrm>
+          <a:off x="0" y="0"/>
+          <a:ext cx="0" cy="0"/>
+          <a:chOff x="0" y="0"/>
+          <a:chExt cx="0" cy="0"/>
+        </a:xfrm>
+      </p:grpSpPr>
+      <p:sp>
+        <p:nvSpPr>
+          <p:cNvPr id="2" name="Titre 1">
+            <a:extLst>
+              <a:ext uri="{FF2B5EF4-FFF2-40B4-BE49-F238E27FC236}">
+                <a16:creationId xmlns:a16="http://schemas.microsoft.com/office/drawing/2014/main" id="{74E21C3B-AB17-5642-A0A1-B585738804ED}"/>
+              </a:ext>
+            </a:extLst>
+          </p:cNvPr>
+          <p:cNvSpPr>
+            <a:spLocks noGrp="1"/>
+          </p:cNvSpPr>
+          <p:nvPr>
+            <p:ph type="title"/>
+          </p:nvPr>
+        </p:nvSpPr>
+        <p:spPr>
+          <a:xfrm>
+            <a:off x="838199" y="537883"/>
+            <a:ext cx="4783697" cy="1942810"/>
+          </a:xfrm>
+        </p:spPr>
+        <p:txBody>
+          <a:bodyPr anchor="b">
+            <a:normAutofit/>
+          </a:bodyPr>
+          <a:lstStyle/>
+          <a:p>
+            <a:r>
+              <a:rPr lang="fr-FR" sz="4000" b="1" dirty="0" err="1">
+                <a:latin typeface="Helvetica" pitchFamily="2" charset="0"/>
+              </a:rPr>
+              <a:t>Jdialogue</a:t>
+            </a:r>
+            <a:r>
+              <a:rPr lang="fr-FR" sz="4000" b="1" dirty="0">
+                <a:latin typeface="Helvetica" pitchFamily="2" charset="0"/>
+              </a:rPr>
+              <a:t> - Help</a:t>
+            </a:r>
+          </a:p>
+        </p:txBody>
+      </p:sp>
+      <p:sp>
+        <p:nvSpPr>
+          <p:cNvPr id="31" name="Espace réservé du contenu 2">
+            <a:extLst>
+              <a:ext uri="{FF2B5EF4-FFF2-40B4-BE49-F238E27FC236}">
+                <a16:creationId xmlns:a16="http://schemas.microsoft.com/office/drawing/2014/main" id="{236D7EC9-1580-7C44-9305-98DC0F334767}"/>
+              </a:ext>
+            </a:extLst>
+          </p:cNvPr>
+          <p:cNvSpPr>
+            <a:spLocks noGrp="1"/>
+          </p:cNvSpPr>
+          <p:nvPr>
+            <p:ph idx="1"/>
+          </p:nvPr>
+        </p:nvSpPr>
+        <p:spPr>
+          <a:xfrm>
+            <a:off x="838199" y="2686323"/>
+            <a:ext cx="4783697" cy="2929140"/>
+          </a:xfrm>
+        </p:spPr>
+        <p:txBody>
+          <a:bodyPr>
+            <a:normAutofit/>
+          </a:bodyPr>
+          <a:lstStyle/>
+          <a:p>
+            <a:pPr marL="0" indent="0" algn="just">
+              <a:buNone/>
+            </a:pPr>
+            <a:r>
+              <a:rPr lang="fr-CH" sz="1400" dirty="0">
+                <a:latin typeface="Helvetica" pitchFamily="2" charset="0"/>
+              </a:rPr>
+              <a:t>Le bouton «Help» permet d’avoir accès à une boîte de dialogue qui affiche les règles du jeu du loto classique</a:t>
+            </a:r>
+          </a:p>
+          <a:p>
+            <a:pPr marL="0" indent="0">
+              <a:buNone/>
+            </a:pPr>
+            <a:endParaRPr lang="fr-CH" sz="800" dirty="0">
+              <a:latin typeface="Helvetica" pitchFamily="2" charset="0"/>
+            </a:endParaRPr>
+          </a:p>
+          <a:p>
+            <a:pPr marL="342900" indent="-342900">
+              <a:buFont typeface="+mj-lt"/>
+              <a:buAutoNum type="arabicPeriod"/>
+            </a:pPr>
+            <a:endParaRPr lang="fr-CH" sz="800" dirty="0">
+              <a:latin typeface="Helvetica" pitchFamily="2" charset="0"/>
+            </a:endParaRPr>
+          </a:p>
+          <a:p>
+            <a:pPr marL="0" indent="0">
+              <a:buNone/>
+            </a:pPr>
+            <a:endParaRPr lang="fr-CH" sz="800" dirty="0">
+              <a:latin typeface="Helvetica" pitchFamily="2" charset="0"/>
+            </a:endParaRPr>
+          </a:p>
+        </p:txBody>
+      </p:sp>
+      <p:sp>
+        <p:nvSpPr>
+          <p:cNvPr id="7" name="Espace réservé de la date 6">
+            <a:extLst>
+              <a:ext uri="{FF2B5EF4-FFF2-40B4-BE49-F238E27FC236}">
+                <a16:creationId xmlns:a16="http://schemas.microsoft.com/office/drawing/2014/main" id="{94C9C9D4-711C-E446-A401-8F671E529816}"/>
+              </a:ext>
+            </a:extLst>
+          </p:cNvPr>
+          <p:cNvSpPr>
+            <a:spLocks noGrp="1"/>
+          </p:cNvSpPr>
+          <p:nvPr>
+            <p:ph type="dt" sz="half" idx="10"/>
+          </p:nvPr>
+        </p:nvSpPr>
+        <p:spPr>
+          <a:xfrm>
+            <a:off x="838200" y="6356350"/>
+            <a:ext cx="2743200" cy="365125"/>
+          </a:xfrm>
+        </p:spPr>
+        <p:txBody>
+          <a:bodyPr>
+            <a:normAutofit/>
+          </a:bodyPr>
+          <a:lstStyle/>
+          <a:p>
+            <a:pPr>
+              <a:spcAft>
+                <a:spcPts val="600"/>
+              </a:spcAft>
+            </a:pPr>
+            <a:fld id="{4E70286C-9112-814D-8FD9-06C7A7E8EF85}" type="datetime6">
+              <a:rPr lang="fr-CH" smtClean="0"/>
+              <a:pPr>
+                <a:spcAft>
+                  <a:spcPts val="600"/>
+                </a:spcAft>
+              </a:pPr>
+              <a:t>juin 22</a:t>
+            </a:fld>
+            <a:endParaRPr lang="fr-FR" dirty="0"/>
+          </a:p>
+        </p:txBody>
+      </p:sp>
+      <p:sp>
+        <p:nvSpPr>
+          <p:cNvPr id="9" name="Espace réservé du pied de page 8">
+            <a:extLst>
+              <a:ext uri="{FF2B5EF4-FFF2-40B4-BE49-F238E27FC236}">
+                <a16:creationId xmlns:a16="http://schemas.microsoft.com/office/drawing/2014/main" id="{3D3A5E39-D9A1-F146-8FDC-D1EFB13632C9}"/>
+              </a:ext>
+            </a:extLst>
+          </p:cNvPr>
+          <p:cNvSpPr>
+            <a:spLocks noGrp="1"/>
+          </p:cNvSpPr>
+          <p:nvPr>
+            <p:ph type="ftr" sz="quarter" idx="11"/>
+          </p:nvPr>
+        </p:nvSpPr>
+        <p:spPr>
+          <a:xfrm>
+            <a:off x="4038600" y="6356350"/>
+            <a:ext cx="4114800" cy="365125"/>
+          </a:xfrm>
+        </p:spPr>
+        <p:txBody>
+          <a:bodyPr>
+            <a:normAutofit/>
+          </a:bodyPr>
+          <a:lstStyle/>
+          <a:p>
+            <a:pPr>
+              <a:spcAft>
+                <a:spcPts val="600"/>
+              </a:spcAft>
+            </a:pPr>
+            <a:r>
+              <a:rPr lang="fr-FR" dirty="0"/>
+              <a:t>MODULE IHM</a:t>
+            </a:r>
+          </a:p>
+        </p:txBody>
+      </p:sp>
+      <p:sp>
+        <p:nvSpPr>
+          <p:cNvPr id="8" name="Espace réservé du numéro de diapositive 7">
+            <a:extLst>
+              <a:ext uri="{FF2B5EF4-FFF2-40B4-BE49-F238E27FC236}">
+                <a16:creationId xmlns:a16="http://schemas.microsoft.com/office/drawing/2014/main" id="{EADA71FF-70B7-A549-8AC6-206E5A869C0B}"/>
+              </a:ext>
+            </a:extLst>
+          </p:cNvPr>
+          <p:cNvSpPr>
+            <a:spLocks noGrp="1"/>
+          </p:cNvSpPr>
+          <p:nvPr>
+            <p:ph type="sldNum" sz="quarter" idx="12"/>
+          </p:nvPr>
+        </p:nvSpPr>
+        <p:spPr>
+          <a:xfrm>
+            <a:off x="8610600" y="6356350"/>
+            <a:ext cx="2743200" cy="365125"/>
+          </a:xfrm>
+        </p:spPr>
+        <p:txBody>
+          <a:bodyPr>
+            <a:normAutofit/>
+          </a:bodyPr>
+          <a:lstStyle/>
+          <a:p>
+            <a:pPr>
+              <a:spcAft>
+                <a:spcPts val="600"/>
+              </a:spcAft>
+            </a:pPr>
+            <a:fld id="{1E415CF8-1919-7741-B18A-243CC21B2CD7}" type="slidenum">
+              <a:rPr lang="fr-FR" smtClean="0"/>
+              <a:pPr>
+                <a:spcAft>
+                  <a:spcPts val="600"/>
+                </a:spcAft>
+              </a:pPr>
+              <a:t>10</a:t>
+            </a:fld>
+            <a:endParaRPr lang="fr-FR"/>
+          </a:p>
+        </p:txBody>
+      </p:sp>
+      <p:pic>
+        <p:nvPicPr>
+          <p:cNvPr id="4" name="Image 3">
+            <a:extLst>
+              <a:ext uri="{FF2B5EF4-FFF2-40B4-BE49-F238E27FC236}">
+                <a16:creationId xmlns:a16="http://schemas.microsoft.com/office/drawing/2014/main" id="{ED8BD696-E7CD-49E8-A6EC-440F6CD1509C}"/>
+              </a:ext>
+            </a:extLst>
+          </p:cNvPr>
+          <p:cNvPicPr>
+            <a:picLocks noChangeAspect="1"/>
+          </p:cNvPicPr>
+          <p:nvPr/>
+        </p:nvPicPr>
+        <p:blipFill>
+          <a:blip r:embed="rId2"/>
+          <a:stretch>
+            <a:fillRect/>
+          </a:stretch>
+        </p:blipFill>
+        <p:spPr>
+          <a:xfrm>
+            <a:off x="6574082" y="1388264"/>
+            <a:ext cx="4695628" cy="3785057"/>
+          </a:xfrm>
+          <a:prstGeom prst="rect">
+            <a:avLst/>
+          </a:prstGeom>
+        </p:spPr>
+      </p:pic>
+      <p:sp>
+        <p:nvSpPr>
+          <p:cNvPr id="17" name="Rectangle 16">
+            <a:extLst>
+              <a:ext uri="{FF2B5EF4-FFF2-40B4-BE49-F238E27FC236}">
+                <a16:creationId xmlns:a16="http://schemas.microsoft.com/office/drawing/2014/main" id="{C9B7FC3A-E2D3-40E1-996B-CEC21FCC7FEC}"/>
+              </a:ext>
+            </a:extLst>
+          </p:cNvPr>
+          <p:cNvSpPr/>
+          <p:nvPr/>
+        </p:nvSpPr>
+        <p:spPr>
+          <a:xfrm>
+            <a:off x="10032295" y="1836963"/>
+            <a:ext cx="1233440" cy="3151416"/>
+          </a:xfrm>
+          <a:prstGeom prst="rect">
+            <a:avLst/>
+          </a:prstGeom>
+          <a:solidFill>
+            <a:schemeClr val="bg1">
+              <a:alpha val="73000"/>
+            </a:schemeClr>
+          </a:solidFill>
+          <a:ln w="28575" cap="flat" cmpd="sng" algn="ctr">
+            <a:solidFill>
+              <a:schemeClr val="bg1"/>
+            </a:solidFill>
+            <a:prstDash val="solid"/>
+            <a:round/>
+            <a:headEnd type="none" w="med" len="med"/>
+            <a:tailEnd type="none" w="med" len="med"/>
+          </a:ln>
+        </p:spPr>
+        <p:style>
+          <a:lnRef idx="0">
+            <a:scrgbClr r="0" g="0" b="0"/>
+          </a:lnRef>
+          <a:fillRef idx="0">
+            <a:scrgbClr r="0" g="0" b="0"/>
+          </a:fillRef>
+          <a:effectRef idx="0">
+            <a:scrgbClr r="0" g="0" b="0"/>
+          </a:effectRef>
+          <a:fontRef idx="minor">
+            <a:schemeClr val="accent2"/>
+          </a:fontRef>
+        </p:style>
+        <p:txBody>
+          <a:bodyPr rtlCol="0" anchor="ctr"/>
+          <a:lstStyle/>
+          <a:p>
+            <a:pPr algn="ctr"/>
+            <a:endParaRPr lang="fr-CH" b="1" dirty="0">
+              <a:solidFill>
+                <a:schemeClr val="bg1"/>
+              </a:solidFill>
+            </a:endParaRPr>
+          </a:p>
+        </p:txBody>
+      </p:sp>
+      <p:sp>
+        <p:nvSpPr>
+          <p:cNvPr id="13" name="Rectangle 12">
+            <a:extLst>
+              <a:ext uri="{FF2B5EF4-FFF2-40B4-BE49-F238E27FC236}">
+                <a16:creationId xmlns:a16="http://schemas.microsoft.com/office/drawing/2014/main" id="{3AA2E657-7651-45B6-AAF2-D2D6244749C6}"/>
+              </a:ext>
+            </a:extLst>
+          </p:cNvPr>
+          <p:cNvSpPr/>
+          <p:nvPr/>
+        </p:nvSpPr>
+        <p:spPr>
+          <a:xfrm>
+            <a:off x="6570106" y="1844043"/>
+            <a:ext cx="3452513" cy="3151415"/>
+          </a:xfrm>
+          <a:prstGeom prst="rect">
+            <a:avLst/>
+          </a:prstGeom>
+          <a:solidFill>
+            <a:schemeClr val="bg1">
+              <a:alpha val="73000"/>
+            </a:schemeClr>
+          </a:solidFill>
+          <a:ln w="28575" cap="flat" cmpd="sng" algn="ctr">
+            <a:solidFill>
+              <a:schemeClr val="bg1"/>
+            </a:solidFill>
+            <a:prstDash val="solid"/>
+            <a:round/>
+            <a:headEnd type="none" w="med" len="med"/>
+            <a:tailEnd type="none" w="med" len="med"/>
+          </a:ln>
+        </p:spPr>
+        <p:style>
+          <a:lnRef idx="0">
+            <a:scrgbClr r="0" g="0" b="0"/>
+          </a:lnRef>
+          <a:fillRef idx="0">
+            <a:scrgbClr r="0" g="0" b="0"/>
+          </a:fillRef>
+          <a:effectRef idx="0">
+            <a:scrgbClr r="0" g="0" b="0"/>
+          </a:effectRef>
+          <a:fontRef idx="minor">
+            <a:schemeClr val="accent2"/>
+          </a:fontRef>
+        </p:style>
+        <p:txBody>
+          <a:bodyPr rtlCol="0" anchor="ctr"/>
+          <a:lstStyle/>
+          <a:p>
+            <a:pPr algn="ctr"/>
+            <a:endParaRPr lang="fr-CH" b="1" dirty="0">
+              <a:solidFill>
+                <a:schemeClr val="bg1"/>
+              </a:solidFill>
+            </a:endParaRPr>
+          </a:p>
+        </p:txBody>
+      </p:sp>
+      <p:sp>
+        <p:nvSpPr>
+          <p:cNvPr id="14" name="Rectangle 13">
+            <a:extLst>
+              <a:ext uri="{FF2B5EF4-FFF2-40B4-BE49-F238E27FC236}">
+                <a16:creationId xmlns:a16="http://schemas.microsoft.com/office/drawing/2014/main" id="{A5AF0F22-B9BB-49ED-8401-8F2534DE1646}"/>
+              </a:ext>
+            </a:extLst>
+          </p:cNvPr>
+          <p:cNvSpPr/>
+          <p:nvPr/>
+        </p:nvSpPr>
+        <p:spPr>
+          <a:xfrm>
+            <a:off x="6583757" y="1664585"/>
+            <a:ext cx="4681977" cy="172377"/>
+          </a:xfrm>
+          <a:prstGeom prst="rect">
+            <a:avLst/>
+          </a:prstGeom>
+          <a:solidFill>
+            <a:schemeClr val="bg1">
+              <a:alpha val="73000"/>
+            </a:schemeClr>
+          </a:solidFill>
+          <a:ln w="28575" cap="flat" cmpd="sng" algn="ctr">
+            <a:solidFill>
+              <a:schemeClr val="bg1"/>
+            </a:solidFill>
+            <a:prstDash val="solid"/>
+            <a:round/>
+            <a:headEnd type="none" w="med" len="med"/>
+            <a:tailEnd type="none" w="med" len="med"/>
+          </a:ln>
+        </p:spPr>
+        <p:style>
+          <a:lnRef idx="0">
+            <a:scrgbClr r="0" g="0" b="0"/>
+          </a:lnRef>
+          <a:fillRef idx="0">
+            <a:scrgbClr r="0" g="0" b="0"/>
+          </a:fillRef>
+          <a:effectRef idx="0">
+            <a:scrgbClr r="0" g="0" b="0"/>
+          </a:effectRef>
+          <a:fontRef idx="minor">
+            <a:schemeClr val="accent2"/>
+          </a:fontRef>
+        </p:style>
+        <p:txBody>
+          <a:bodyPr rtlCol="0" anchor="ctr"/>
+          <a:lstStyle/>
+          <a:p>
+            <a:pPr algn="ctr"/>
+            <a:endParaRPr lang="fr-CH" b="1" dirty="0">
+              <a:solidFill>
+                <a:schemeClr val="bg1"/>
+              </a:solidFill>
+            </a:endParaRPr>
+          </a:p>
+        </p:txBody>
+      </p:sp>
+      <p:sp>
+        <p:nvSpPr>
+          <p:cNvPr id="18" name="Rectangle 17">
+            <a:extLst>
+              <a:ext uri="{FF2B5EF4-FFF2-40B4-BE49-F238E27FC236}">
+                <a16:creationId xmlns:a16="http://schemas.microsoft.com/office/drawing/2014/main" id="{1DC38979-CFB3-4F31-BBF3-A0CDFF624DB9}"/>
+              </a:ext>
+            </a:extLst>
+          </p:cNvPr>
+          <p:cNvSpPr/>
+          <p:nvPr/>
+        </p:nvSpPr>
+        <p:spPr>
+          <a:xfrm>
+            <a:off x="6583757" y="4988379"/>
+            <a:ext cx="4651719" cy="186537"/>
+          </a:xfrm>
+          <a:prstGeom prst="rect">
+            <a:avLst/>
+          </a:prstGeom>
+          <a:solidFill>
+            <a:schemeClr val="bg1">
+              <a:alpha val="73000"/>
+            </a:schemeClr>
+          </a:solidFill>
+          <a:ln w="28575" cap="flat" cmpd="sng" algn="ctr">
+            <a:solidFill>
+              <a:schemeClr val="bg1"/>
+            </a:solidFill>
+            <a:prstDash val="solid"/>
+            <a:round/>
+            <a:headEnd type="none" w="med" len="med"/>
+            <a:tailEnd type="none" w="med" len="med"/>
+          </a:ln>
+        </p:spPr>
+        <p:style>
+          <a:lnRef idx="0">
+            <a:scrgbClr r="0" g="0" b="0"/>
+          </a:lnRef>
+          <a:fillRef idx="0">
+            <a:scrgbClr r="0" g="0" b="0"/>
+          </a:fillRef>
+          <a:effectRef idx="0">
+            <a:scrgbClr r="0" g="0" b="0"/>
+          </a:effectRef>
+          <a:fontRef idx="minor">
+            <a:schemeClr val="accent2"/>
+          </a:fontRef>
+        </p:style>
+        <p:txBody>
+          <a:bodyPr rtlCol="0" anchor="ctr"/>
+          <a:lstStyle/>
+          <a:p>
+            <a:pPr algn="ctr"/>
+            <a:endParaRPr lang="fr-CH" b="1" dirty="0">
+              <a:solidFill>
+                <a:schemeClr val="bg1"/>
+              </a:solidFill>
+            </a:endParaRPr>
+          </a:p>
+        </p:txBody>
+      </p:sp>
+      <p:sp>
+        <p:nvSpPr>
+          <p:cNvPr id="15" name="Rectangle 14">
+            <a:extLst>
+              <a:ext uri="{FF2B5EF4-FFF2-40B4-BE49-F238E27FC236}">
+                <a16:creationId xmlns:a16="http://schemas.microsoft.com/office/drawing/2014/main" id="{1D705A5F-0E0D-4886-8D1D-8CB1C434A2BF}"/>
+              </a:ext>
+            </a:extLst>
+          </p:cNvPr>
+          <p:cNvSpPr/>
+          <p:nvPr/>
+        </p:nvSpPr>
+        <p:spPr>
+          <a:xfrm>
+            <a:off x="6583757" y="1404254"/>
+            <a:ext cx="4681977" cy="246171"/>
+          </a:xfrm>
+          <a:prstGeom prst="rect">
+            <a:avLst/>
+          </a:prstGeom>
+          <a:solidFill>
+            <a:schemeClr val="bg1">
+              <a:alpha val="73000"/>
+            </a:schemeClr>
+          </a:solidFill>
+          <a:ln w="28575" cap="flat" cmpd="sng" algn="ctr">
+            <a:solidFill>
+              <a:schemeClr val="bg1"/>
+            </a:solidFill>
+            <a:prstDash val="solid"/>
+            <a:round/>
+            <a:headEnd type="none" w="med" len="med"/>
+            <a:tailEnd type="none" w="med" len="med"/>
+          </a:ln>
+        </p:spPr>
+        <p:style>
+          <a:lnRef idx="0">
+            <a:scrgbClr r="0" g="0" b="0"/>
+          </a:lnRef>
+          <a:fillRef idx="0">
+            <a:scrgbClr r="0" g="0" b="0"/>
+          </a:fillRef>
+          <a:effectRef idx="0">
+            <a:scrgbClr r="0" g="0" b="0"/>
+          </a:effectRef>
+          <a:fontRef idx="minor">
+            <a:schemeClr val="accent2"/>
+          </a:fontRef>
+        </p:style>
+        <p:txBody>
+          <a:bodyPr rtlCol="0" anchor="ctr"/>
+          <a:lstStyle/>
+          <a:p>
+            <a:pPr algn="ctr"/>
+            <a:endParaRPr lang="fr-CH" b="1" dirty="0">
+              <a:solidFill>
+                <a:schemeClr val="bg1"/>
+              </a:solidFill>
+            </a:endParaRPr>
+          </a:p>
+        </p:txBody>
+      </p:sp>
+      <p:pic>
+        <p:nvPicPr>
+          <p:cNvPr id="5" name="Image 4">
+            <a:extLst>
+              <a:ext uri="{FF2B5EF4-FFF2-40B4-BE49-F238E27FC236}">
+                <a16:creationId xmlns:a16="http://schemas.microsoft.com/office/drawing/2014/main" id="{CECCD5B9-7A29-483A-8E53-1B6F8C405283}"/>
+              </a:ext>
+            </a:extLst>
+          </p:cNvPr>
+          <p:cNvPicPr>
+            <a:picLocks noChangeAspect="1"/>
+          </p:cNvPicPr>
+          <p:nvPr/>
+        </p:nvPicPr>
+        <p:blipFill>
+          <a:blip r:embed="rId3"/>
+          <a:stretch>
+            <a:fillRect/>
+          </a:stretch>
+        </p:blipFill>
+        <p:spPr>
+          <a:xfrm>
+            <a:off x="7748546" y="2322995"/>
+            <a:ext cx="2416233" cy="1915593"/>
+          </a:xfrm>
+          <a:prstGeom prst="rect">
+            <a:avLst/>
+          </a:prstGeom>
+        </p:spPr>
+      </p:pic>
+    </p:spTree>
+    <p:extLst>
+      <p:ext uri="{BB962C8B-B14F-4D97-AF65-F5344CB8AC3E}">
+        <p14:creationId xmlns:p14="http://schemas.microsoft.com/office/powerpoint/2010/main" val="32399817"/>
+      </p:ext>
+    </p:extLst>
+  </p:cSld>
+  <p:clrMapOvr>
+    <a:masterClrMapping/>
+  </p:clrMapOvr>
+</p:sld>
+</file>
+
+<file path=ppt/slides/slide11.xml><?xml version="1.0" encoding="utf-8"?>
+<p:sld xmlns:a="http://schemas.openxmlformats.org/drawingml/2006/main" xmlns:r="http://schemas.openxmlformats.org/officeDocument/2006/relationships" xmlns:p="http://schemas.openxmlformats.org/presentationml/2006/main">
+  <p:cSld>
+    <p:spTree>
+      <p:nvGrpSpPr>
+        <p:cNvPr id="1" name=""/>
+        <p:cNvGrpSpPr/>
+        <p:nvPr/>
+      </p:nvGrpSpPr>
+      <p:grpSpPr>
+        <a:xfrm>
+          <a:off x="0" y="0"/>
+          <a:ext cx="0" cy="0"/>
+          <a:chOff x="0" y="0"/>
+          <a:chExt cx="0" cy="0"/>
+        </a:xfrm>
+      </p:grpSpPr>
+      <p:sp>
+        <p:nvSpPr>
+          <p:cNvPr id="2" name="Titre 1">
+            <a:extLst>
+              <a:ext uri="{FF2B5EF4-FFF2-40B4-BE49-F238E27FC236}">
+                <a16:creationId xmlns:a16="http://schemas.microsoft.com/office/drawing/2014/main" id="{74E21C3B-AB17-5642-A0A1-B585738804ED}"/>
+              </a:ext>
+            </a:extLst>
+          </p:cNvPr>
+          <p:cNvSpPr>
+            <a:spLocks noGrp="1"/>
+          </p:cNvSpPr>
+          <p:nvPr>
+            <p:ph type="title"/>
+          </p:nvPr>
+        </p:nvSpPr>
+        <p:spPr>
+          <a:xfrm>
+            <a:off x="838199" y="537883"/>
+            <a:ext cx="4783697" cy="1942810"/>
+          </a:xfrm>
+        </p:spPr>
+        <p:txBody>
+          <a:bodyPr anchor="b">
+            <a:normAutofit/>
+          </a:bodyPr>
+          <a:lstStyle/>
+          <a:p>
+            <a:r>
+              <a:rPr lang="fr-FR" sz="4000" b="1" dirty="0">
+                <a:latin typeface="Helvetica" pitchFamily="2" charset="0"/>
+              </a:rPr>
+              <a:t>Difficultés rencontrées</a:t>
+            </a:r>
+          </a:p>
+        </p:txBody>
+      </p:sp>
+      <p:sp>
+        <p:nvSpPr>
+          <p:cNvPr id="7" name="Espace réservé de la date 6">
+            <a:extLst>
+              <a:ext uri="{FF2B5EF4-FFF2-40B4-BE49-F238E27FC236}">
+                <a16:creationId xmlns:a16="http://schemas.microsoft.com/office/drawing/2014/main" id="{94C9C9D4-711C-E446-A401-8F671E529816}"/>
+              </a:ext>
+            </a:extLst>
+          </p:cNvPr>
+          <p:cNvSpPr>
+            <a:spLocks noGrp="1"/>
+          </p:cNvSpPr>
+          <p:nvPr>
+            <p:ph type="dt" sz="half" idx="10"/>
+          </p:nvPr>
+        </p:nvSpPr>
+        <p:spPr>
+          <a:xfrm>
+            <a:off x="838200" y="6356350"/>
+            <a:ext cx="2743200" cy="365125"/>
+          </a:xfrm>
+        </p:spPr>
+        <p:txBody>
+          <a:bodyPr>
+            <a:normAutofit/>
+          </a:bodyPr>
+          <a:lstStyle/>
+          <a:p>
+            <a:pPr>
+              <a:spcAft>
+                <a:spcPts val="600"/>
+              </a:spcAft>
+            </a:pPr>
+            <a:fld id="{4E70286C-9112-814D-8FD9-06C7A7E8EF85}" type="datetime6">
+              <a:rPr lang="fr-CH" smtClean="0"/>
+              <a:pPr>
+                <a:spcAft>
+                  <a:spcPts val="600"/>
+                </a:spcAft>
+              </a:pPr>
+              <a:t>juin 22</a:t>
+            </a:fld>
+            <a:endParaRPr lang="fr-FR"/>
+          </a:p>
+        </p:txBody>
+      </p:sp>
+      <p:sp>
+        <p:nvSpPr>
+          <p:cNvPr id="9" name="Espace réservé du pied de page 8">
+            <a:extLst>
+              <a:ext uri="{FF2B5EF4-FFF2-40B4-BE49-F238E27FC236}">
+                <a16:creationId xmlns:a16="http://schemas.microsoft.com/office/drawing/2014/main" id="{3D3A5E39-D9A1-F146-8FDC-D1EFB13632C9}"/>
+              </a:ext>
+            </a:extLst>
+          </p:cNvPr>
+          <p:cNvSpPr>
+            <a:spLocks noGrp="1"/>
+          </p:cNvSpPr>
+          <p:nvPr>
+            <p:ph type="ftr" sz="quarter" idx="11"/>
+          </p:nvPr>
+        </p:nvSpPr>
+        <p:spPr>
+          <a:xfrm>
+            <a:off x="4038600" y="6356350"/>
+            <a:ext cx="4114800" cy="365125"/>
+          </a:xfrm>
+        </p:spPr>
+        <p:txBody>
+          <a:bodyPr>
+            <a:normAutofit/>
+          </a:bodyPr>
+          <a:lstStyle/>
+          <a:p>
+            <a:pPr>
+              <a:spcAft>
+                <a:spcPts val="600"/>
+              </a:spcAft>
+            </a:pPr>
+            <a:r>
+              <a:rPr lang="fr-FR" dirty="0"/>
+              <a:t>MODULE IHM</a:t>
+            </a:r>
+          </a:p>
+        </p:txBody>
+      </p:sp>
+      <p:sp>
+        <p:nvSpPr>
+          <p:cNvPr id="8" name="Espace réservé du numéro de diapositive 7">
+            <a:extLst>
+              <a:ext uri="{FF2B5EF4-FFF2-40B4-BE49-F238E27FC236}">
+                <a16:creationId xmlns:a16="http://schemas.microsoft.com/office/drawing/2014/main" id="{EADA71FF-70B7-A549-8AC6-206E5A869C0B}"/>
+              </a:ext>
+            </a:extLst>
+          </p:cNvPr>
+          <p:cNvSpPr>
+            <a:spLocks noGrp="1"/>
+          </p:cNvSpPr>
+          <p:nvPr>
+            <p:ph type="sldNum" sz="quarter" idx="12"/>
+          </p:nvPr>
+        </p:nvSpPr>
+        <p:spPr>
+          <a:xfrm>
+            <a:off x="8610600" y="6356350"/>
+            <a:ext cx="2743200" cy="365125"/>
+          </a:xfrm>
+        </p:spPr>
+        <p:txBody>
+          <a:bodyPr>
+            <a:normAutofit/>
+          </a:bodyPr>
+          <a:lstStyle/>
+          <a:p>
+            <a:pPr>
+              <a:spcAft>
+                <a:spcPts val="600"/>
+              </a:spcAft>
+            </a:pPr>
+            <a:fld id="{1E415CF8-1919-7741-B18A-243CC21B2CD7}" type="slidenum">
+              <a:rPr lang="fr-FR" smtClean="0"/>
+              <a:pPr>
+                <a:spcAft>
+                  <a:spcPts val="600"/>
+                </a:spcAft>
+              </a:pPr>
+              <a:t>11</a:t>
+            </a:fld>
+            <a:endParaRPr lang="fr-FR"/>
+          </a:p>
+        </p:txBody>
+      </p:sp>
+      <p:sp>
+        <p:nvSpPr>
+          <p:cNvPr id="11" name="Espace réservé du contenu 2">
+            <a:extLst>
+              <a:ext uri="{FF2B5EF4-FFF2-40B4-BE49-F238E27FC236}">
+                <a16:creationId xmlns:a16="http://schemas.microsoft.com/office/drawing/2014/main" id="{3D7979AC-B42F-446F-AA44-7C003CC53552}"/>
+              </a:ext>
+            </a:extLst>
+          </p:cNvPr>
+          <p:cNvSpPr txBox="1">
+            <a:spLocks/>
+          </p:cNvSpPr>
+          <p:nvPr/>
+        </p:nvSpPr>
+        <p:spPr>
+          <a:xfrm>
+            <a:off x="838200" y="2695600"/>
+            <a:ext cx="4783697" cy="2929140"/>
+          </a:xfrm>
+          <a:prstGeom prst="rect">
+            <a:avLst/>
+          </a:prstGeom>
+        </p:spPr>
+        <p:txBody>
+          <a:bodyPr vert="horz" lIns="91440" tIns="45720" rIns="91440" bIns="45720" rtlCol="0">
+            <a:normAutofit fontScale="85000" lnSpcReduction="20000"/>
+          </a:bodyPr>
+          <a:lstStyle>
+            <a:lvl1pPr marL="228600" indent="-228600" algn="l" defTabSz="914400" rtl="0" eaLnBrk="1" latinLnBrk="0" hangingPunct="1">
+              <a:lnSpc>
+                <a:spcPct val="90000"/>
+              </a:lnSpc>
+              <a:spcBef>
+                <a:spcPts val="1000"/>
+              </a:spcBef>
+              <a:buFont typeface="Arial" panose="020B0604020202020204" pitchFamily="34" charset="0"/>
+              <a:buChar char="•"/>
+              <a:defRPr sz="2800" kern="1200">
+                <a:solidFill>
+                  <a:schemeClr val="tx1"/>
+                </a:solidFill>
+                <a:latin typeface="+mn-lt"/>
+                <a:ea typeface="+mn-ea"/>
+                <a:cs typeface="+mn-cs"/>
+              </a:defRPr>
+            </a:lvl1pPr>
+            <a:lvl2pPr marL="685800" indent="-228600" algn="l" defTabSz="914400" rtl="0" eaLnBrk="1" latinLnBrk="0" hangingPunct="1">
+              <a:lnSpc>
+                <a:spcPct val="90000"/>
+              </a:lnSpc>
+              <a:spcBef>
+                <a:spcPts val="500"/>
+              </a:spcBef>
+              <a:buFont typeface="Arial" panose="020B0604020202020204" pitchFamily="34" charset="0"/>
+              <a:buChar char="•"/>
+              <a:defRPr sz="2400" kern="1200">
+                <a:solidFill>
+                  <a:schemeClr val="tx1"/>
+                </a:solidFill>
+                <a:latin typeface="+mn-lt"/>
+                <a:ea typeface="+mn-ea"/>
+                <a:cs typeface="+mn-cs"/>
+              </a:defRPr>
+            </a:lvl2pPr>
+            <a:lvl3pPr marL="1143000" indent="-228600" algn="l" defTabSz="914400" rtl="0" eaLnBrk="1" latinLnBrk="0" hangingPunct="1">
+              <a:lnSpc>
+                <a:spcPct val="90000"/>
+              </a:lnSpc>
+              <a:spcBef>
+                <a:spcPts val="500"/>
+              </a:spcBef>
+              <a:buFont typeface="Arial" panose="020B0604020202020204" pitchFamily="34" charset="0"/>
+              <a:buChar char="•"/>
+              <a:defRPr sz="2000" kern="1200">
+                <a:solidFill>
+                  <a:schemeClr val="tx1"/>
+                </a:solidFill>
+                <a:latin typeface="+mn-lt"/>
+                <a:ea typeface="+mn-ea"/>
+                <a:cs typeface="+mn-cs"/>
+              </a:defRPr>
+            </a:lvl3pPr>
+            <a:lvl4pPr marL="1600200" indent="-228600" algn="l" defTabSz="914400" rtl="0" eaLnBrk="1" latinLnBrk="0" hangingPunct="1">
+              <a:lnSpc>
+                <a:spcPct val="90000"/>
+              </a:lnSpc>
+              <a:spcBef>
+                <a:spcPts val="500"/>
+              </a:spcBef>
+              <a:buFont typeface="Arial" panose="020B0604020202020204" pitchFamily="34" charset="0"/>
+              <a:buChar char="•"/>
+              <a:defRPr sz="1800" kern="1200">
+                <a:solidFill>
+                  <a:schemeClr val="tx1"/>
+                </a:solidFill>
+                <a:latin typeface="+mn-lt"/>
+                <a:ea typeface="+mn-ea"/>
+                <a:cs typeface="+mn-cs"/>
+              </a:defRPr>
+            </a:lvl4pPr>
+            <a:lvl5pPr marL="2057400" indent="-228600" algn="l" defTabSz="914400" rtl="0" eaLnBrk="1" latinLnBrk="0" hangingPunct="1">
+              <a:lnSpc>
+                <a:spcPct val="90000"/>
+              </a:lnSpc>
+              <a:spcBef>
+                <a:spcPts val="500"/>
+              </a:spcBef>
+              <a:buFont typeface="Arial" panose="020B0604020202020204" pitchFamily="34" charset="0"/>
+              <a:buChar char="•"/>
+              <a:defRPr sz="1800" kern="1200">
+                <a:solidFill>
+                  <a:schemeClr val="tx1"/>
+                </a:solidFill>
+                <a:latin typeface="+mn-lt"/>
+                <a:ea typeface="+mn-ea"/>
+                <a:cs typeface="+mn-cs"/>
+              </a:defRPr>
+            </a:lvl5pPr>
+            <a:lvl6pPr marL="2514600" indent="-228600" algn="l" defTabSz="914400" rtl="0" eaLnBrk="1" latinLnBrk="0" hangingPunct="1">
+              <a:lnSpc>
+                <a:spcPct val="90000"/>
+              </a:lnSpc>
+              <a:spcBef>
+                <a:spcPts val="500"/>
+              </a:spcBef>
+              <a:buFont typeface="Arial" panose="020B0604020202020204" pitchFamily="34" charset="0"/>
+              <a:buChar char="•"/>
+              <a:defRPr sz="1800" kern="1200">
+                <a:solidFill>
+                  <a:schemeClr val="tx1"/>
+                </a:solidFill>
+                <a:latin typeface="+mn-lt"/>
+                <a:ea typeface="+mn-ea"/>
+                <a:cs typeface="+mn-cs"/>
+              </a:defRPr>
+            </a:lvl6pPr>
+            <a:lvl7pPr marL="2971800" indent="-228600" algn="l" defTabSz="914400" rtl="0" eaLnBrk="1" latinLnBrk="0" hangingPunct="1">
+              <a:lnSpc>
+                <a:spcPct val="90000"/>
+              </a:lnSpc>
+              <a:spcBef>
+                <a:spcPts val="500"/>
+              </a:spcBef>
+              <a:buFont typeface="Arial" panose="020B0604020202020204" pitchFamily="34" charset="0"/>
+              <a:buChar char="•"/>
+              <a:defRPr sz="1800" kern="1200">
+                <a:solidFill>
+                  <a:schemeClr val="tx1"/>
+                </a:solidFill>
+                <a:latin typeface="+mn-lt"/>
+                <a:ea typeface="+mn-ea"/>
+                <a:cs typeface="+mn-cs"/>
+              </a:defRPr>
+            </a:lvl7pPr>
+            <a:lvl8pPr marL="3429000" indent="-228600" algn="l" defTabSz="914400" rtl="0" eaLnBrk="1" latinLnBrk="0" hangingPunct="1">
+              <a:lnSpc>
+                <a:spcPct val="90000"/>
+              </a:lnSpc>
+              <a:spcBef>
+                <a:spcPts val="500"/>
+              </a:spcBef>
+              <a:buFont typeface="Arial" panose="020B0604020202020204" pitchFamily="34" charset="0"/>
+              <a:buChar char="•"/>
+              <a:defRPr sz="1800" kern="1200">
+                <a:solidFill>
+                  <a:schemeClr val="tx1"/>
+                </a:solidFill>
+                <a:latin typeface="+mn-lt"/>
+                <a:ea typeface="+mn-ea"/>
+                <a:cs typeface="+mn-cs"/>
+              </a:defRPr>
+            </a:lvl8pPr>
+            <a:lvl9pPr marL="3886200" indent="-228600" algn="l" defTabSz="914400" rtl="0" eaLnBrk="1" latinLnBrk="0" hangingPunct="1">
+              <a:lnSpc>
+                <a:spcPct val="90000"/>
+              </a:lnSpc>
+              <a:spcBef>
+                <a:spcPts val="500"/>
+              </a:spcBef>
+              <a:buFont typeface="Arial" panose="020B0604020202020204" pitchFamily="34" charset="0"/>
+              <a:buChar char="•"/>
+              <a:defRPr sz="1800" kern="1200">
+                <a:solidFill>
+                  <a:schemeClr val="tx1"/>
+                </a:solidFill>
+                <a:latin typeface="+mn-lt"/>
+                <a:ea typeface="+mn-ea"/>
+                <a:cs typeface="+mn-cs"/>
+              </a:defRPr>
+            </a:lvl9pPr>
+          </a:lstStyle>
+          <a:p>
+            <a:pPr marL="0" indent="0" algn="just">
+              <a:buFont typeface="Arial" panose="020B0604020202020204" pitchFamily="34" charset="0"/>
+              <a:buNone/>
+            </a:pPr>
+            <a:r>
+              <a:rPr lang="fr-CH" sz="1400" b="1" dirty="0">
+                <a:latin typeface="Helvetica" pitchFamily="2" charset="0"/>
+              </a:rPr>
+              <a:t>Méthode </a:t>
+            </a:r>
+            <a:r>
+              <a:rPr lang="fr-CH" sz="1400" b="1" dirty="0" err="1">
+                <a:latin typeface="Helvetica" pitchFamily="2" charset="0"/>
+              </a:rPr>
+              <a:t>randome</a:t>
+            </a:r>
+            <a:endParaRPr lang="fr-CH" sz="1400" b="1" dirty="0">
+              <a:latin typeface="Helvetica" pitchFamily="2" charset="0"/>
+            </a:endParaRPr>
+          </a:p>
+          <a:p>
+            <a:pPr marL="0" indent="0" algn="just">
+              <a:buFont typeface="Arial" panose="020B0604020202020204" pitchFamily="34" charset="0"/>
+              <a:buNone/>
+            </a:pPr>
+            <a:r>
+              <a:rPr lang="fr-CH" sz="1400" dirty="0">
+                <a:latin typeface="Helvetica" pitchFamily="2" charset="0"/>
+              </a:rPr>
+              <a:t>La fonction native de java pour générer des numéros aléatoires peut créer deux même numéro. Pour remédier à se problème, j’ai stocké mes numéros dans un tableau «</a:t>
+            </a:r>
+            <a:r>
+              <a:rPr lang="fr-CH" sz="1400" dirty="0" err="1">
+                <a:latin typeface="Helvetica" pitchFamily="2" charset="0"/>
+              </a:rPr>
+              <a:t>LinkedHasHSet</a:t>
+            </a:r>
+            <a:r>
+              <a:rPr lang="fr-CH" sz="1400" dirty="0">
+                <a:latin typeface="Helvetica" pitchFamily="2" charset="0"/>
+              </a:rPr>
+              <a:t>» qui n’accepte pas des doublons.</a:t>
+            </a:r>
+          </a:p>
+          <a:p>
+            <a:pPr marL="0" indent="0" algn="just">
+              <a:buFont typeface="Arial" panose="020B0604020202020204" pitchFamily="34" charset="0"/>
+              <a:buNone/>
+            </a:pPr>
+            <a:r>
+              <a:rPr lang="fr-CH" sz="1400" b="1" dirty="0">
+                <a:latin typeface="Helvetica" pitchFamily="2" charset="0"/>
+              </a:rPr>
+              <a:t>Méthode </a:t>
+            </a:r>
+            <a:r>
+              <a:rPr lang="fr-CH" sz="1400" b="1" dirty="0" err="1">
+                <a:latin typeface="Helvetica" pitchFamily="2" charset="0"/>
+              </a:rPr>
+              <a:t>handToken</a:t>
+            </a:r>
+            <a:endParaRPr lang="fr-CH" sz="1400" b="1" dirty="0">
+              <a:latin typeface="Helvetica" pitchFamily="2" charset="0"/>
+            </a:endParaRPr>
+          </a:p>
+          <a:p>
+            <a:pPr marL="0" indent="0" algn="just">
+              <a:buFont typeface="Arial" panose="020B0604020202020204" pitchFamily="34" charset="0"/>
+              <a:buNone/>
+            </a:pPr>
+            <a:r>
+              <a:rPr lang="fr-CH" sz="1400" dirty="0">
+                <a:latin typeface="Helvetica" pitchFamily="2" charset="0"/>
+              </a:rPr>
+              <a:t>Lorsque je </a:t>
+            </a:r>
+            <a:r>
+              <a:rPr lang="fr-CH" sz="1400" dirty="0" err="1">
+                <a:latin typeface="Helvetica" pitchFamily="2" charset="0"/>
+              </a:rPr>
+              <a:t>récupére</a:t>
+            </a:r>
+            <a:r>
+              <a:rPr lang="fr-CH" sz="1400" dirty="0">
+                <a:latin typeface="Helvetica" pitchFamily="2" charset="0"/>
+              </a:rPr>
+              <a:t> un numéro de la liste de </a:t>
+            </a:r>
+            <a:r>
+              <a:rPr lang="fr-CH" sz="1400" dirty="0" err="1">
+                <a:latin typeface="Helvetica" pitchFamily="2" charset="0"/>
+              </a:rPr>
+              <a:t>token</a:t>
+            </a:r>
+            <a:r>
+              <a:rPr lang="fr-CH" sz="1400" dirty="0">
+                <a:latin typeface="Helvetica" pitchFamily="2" charset="0"/>
+              </a:rPr>
+              <a:t>, la liste historique des numéros ne se met pas à jour. La fonction «</a:t>
+            </a:r>
+            <a:r>
+              <a:rPr lang="fr-CH" sz="1400" dirty="0" err="1">
+                <a:latin typeface="Helvetica" pitchFamily="2" charset="0"/>
+              </a:rPr>
+              <a:t>setListData</a:t>
+            </a:r>
+            <a:r>
+              <a:rPr lang="fr-CH" sz="1400" dirty="0">
+                <a:latin typeface="Helvetica" pitchFamily="2" charset="0"/>
+              </a:rPr>
+              <a:t>» de la classe </a:t>
+            </a:r>
+            <a:r>
+              <a:rPr lang="fr-CH" sz="1400" dirty="0" err="1">
+                <a:latin typeface="Helvetica" pitchFamily="2" charset="0"/>
+              </a:rPr>
+              <a:t>Jlist</a:t>
+            </a:r>
+            <a:r>
+              <a:rPr lang="fr-CH" sz="1400" dirty="0">
+                <a:latin typeface="Helvetica" pitchFamily="2" charset="0"/>
+              </a:rPr>
+              <a:t> permet de récupérer la liste à jour et de l’afficher.</a:t>
+            </a:r>
+          </a:p>
+          <a:p>
+            <a:pPr marL="0" indent="0" algn="just">
+              <a:buFont typeface="Arial" panose="020B0604020202020204" pitchFamily="34" charset="0"/>
+              <a:buNone/>
+            </a:pPr>
+            <a:r>
+              <a:rPr lang="fr-CH" sz="1400" b="1" dirty="0">
+                <a:latin typeface="Helvetica" pitchFamily="2" charset="0"/>
+              </a:rPr>
+              <a:t>Différencier le QUIN | DOUBLEQUIN | CARTON</a:t>
+            </a:r>
+          </a:p>
+          <a:p>
+            <a:pPr marL="0" indent="0" algn="just">
+              <a:buFont typeface="Arial" panose="020B0604020202020204" pitchFamily="34" charset="0"/>
+              <a:buNone/>
+            </a:pPr>
+            <a:r>
+              <a:rPr lang="fr-CH" sz="1400" dirty="0">
+                <a:latin typeface="Helvetica" pitchFamily="2" charset="0"/>
+              </a:rPr>
+              <a:t>Chaque bouton a une méthode «</a:t>
+            </a:r>
+            <a:r>
+              <a:rPr lang="fr-CH" sz="1400" dirty="0" err="1">
+                <a:latin typeface="Helvetica" pitchFamily="2" charset="0"/>
+              </a:rPr>
+              <a:t>actionPerformed</a:t>
+            </a:r>
+            <a:r>
+              <a:rPr lang="fr-CH" sz="1400" dirty="0">
+                <a:latin typeface="Helvetica" pitchFamily="2" charset="0"/>
+              </a:rPr>
+              <a:t>()» qui appeler une autre méthode «</a:t>
+            </a:r>
+            <a:r>
+              <a:rPr lang="fr-CH" sz="1400" dirty="0" err="1">
+                <a:latin typeface="Helvetica" pitchFamily="2" charset="0"/>
+              </a:rPr>
+              <a:t>checkSelectedCase</a:t>
+            </a:r>
+            <a:r>
+              <a:rPr lang="fr-CH" sz="1400" dirty="0">
+                <a:latin typeface="Helvetica" pitchFamily="2" charset="0"/>
+              </a:rPr>
+              <a:t>(). Ce dernier va ranger chaque bouton sélectionné dans un tableau à trois dimensions. Chaque dimension correspond à une rangée de la zone CENTER de l’application. Pour terminer, les «</a:t>
+            </a:r>
+            <a:r>
+              <a:rPr lang="fr-CH" sz="1400" dirty="0" err="1">
+                <a:latin typeface="Helvetica" pitchFamily="2" charset="0"/>
+              </a:rPr>
+              <a:t>actionPerformed</a:t>
+            </a:r>
+            <a:r>
+              <a:rPr lang="fr-CH" sz="1400" dirty="0">
+                <a:latin typeface="Helvetica" pitchFamily="2" charset="0"/>
+              </a:rPr>
+              <a:t>()» va vérifier si toute le rangée a été sélectionnée.</a:t>
+            </a:r>
+          </a:p>
+          <a:p>
+            <a:pPr marL="0" indent="0" algn="just">
+              <a:buFont typeface="Arial" panose="020B0604020202020204" pitchFamily="34" charset="0"/>
+              <a:buNone/>
+            </a:pPr>
+            <a:endParaRPr lang="fr-CH" sz="1400" dirty="0">
+              <a:latin typeface="Helvetica" pitchFamily="2" charset="0"/>
+            </a:endParaRPr>
+          </a:p>
+          <a:p>
+            <a:pPr marL="0" indent="0" algn="just">
+              <a:buFont typeface="Arial" panose="020B0604020202020204" pitchFamily="34" charset="0"/>
+              <a:buNone/>
+            </a:pPr>
+            <a:endParaRPr lang="fr-CH" sz="1400" dirty="0">
+              <a:latin typeface="Helvetica" pitchFamily="2" charset="0"/>
+            </a:endParaRPr>
+          </a:p>
+          <a:p>
+            <a:pPr marL="0" indent="0" algn="just">
+              <a:buFont typeface="Arial" panose="020B0604020202020204" pitchFamily="34" charset="0"/>
+              <a:buNone/>
+            </a:pPr>
+            <a:endParaRPr lang="fr-CH" sz="1400" dirty="0">
+              <a:latin typeface="Helvetica" pitchFamily="2" charset="0"/>
+            </a:endParaRPr>
+          </a:p>
+          <a:p>
+            <a:pPr marL="0" indent="0" algn="just">
+              <a:buFont typeface="Arial" panose="020B0604020202020204" pitchFamily="34" charset="0"/>
+              <a:buNone/>
+            </a:pPr>
+            <a:endParaRPr lang="fr-CH" sz="1400" dirty="0">
+              <a:latin typeface="Helvetica" pitchFamily="2" charset="0"/>
+            </a:endParaRPr>
+          </a:p>
+          <a:p>
+            <a:pPr marL="0" indent="0">
+              <a:buFont typeface="Arial" panose="020B0604020202020204" pitchFamily="34" charset="0"/>
+              <a:buNone/>
+            </a:pPr>
+            <a:endParaRPr lang="fr-CH" sz="800" dirty="0">
+              <a:latin typeface="Helvetica" pitchFamily="2" charset="0"/>
+            </a:endParaRPr>
+          </a:p>
+          <a:p>
+            <a:pPr marL="342900" indent="-342900">
+              <a:buFont typeface="+mj-lt"/>
+              <a:buAutoNum type="arabicPeriod"/>
+            </a:pPr>
+            <a:endParaRPr lang="fr-CH" sz="800" dirty="0">
+              <a:latin typeface="Helvetica" pitchFamily="2" charset="0"/>
+            </a:endParaRPr>
+          </a:p>
+          <a:p>
+            <a:pPr marL="0" indent="0">
+              <a:buFont typeface="Arial" panose="020B0604020202020204" pitchFamily="34" charset="0"/>
+              <a:buNone/>
+            </a:pPr>
+            <a:endParaRPr lang="fr-CH" sz="800" dirty="0">
+              <a:latin typeface="Helvetica" pitchFamily="2" charset="0"/>
+            </a:endParaRPr>
+          </a:p>
+        </p:txBody>
+      </p:sp>
+    </p:spTree>
+    <p:extLst>
+      <p:ext uri="{BB962C8B-B14F-4D97-AF65-F5344CB8AC3E}">
+        <p14:creationId xmlns:p14="http://schemas.microsoft.com/office/powerpoint/2010/main" val="2748993969"/>
+      </p:ext>
+    </p:extLst>
+  </p:cSld>
+  <p:clrMapOvr>
+    <a:masterClrMapping/>
+  </p:clrMapOvr>
+</p:sld>
+</file>
+
 <file path=ppt/slides/slide2.xml><?xml version="1.0" encoding="utf-8"?>
 <p:sld xmlns:a="http://schemas.openxmlformats.org/drawingml/2006/main" xmlns:r="http://schemas.openxmlformats.org/officeDocument/2006/relationships" xmlns:p="http://schemas.openxmlformats.org/presentationml/2006/main">
   <p:cSld>
@@ -4456,7 +5743,7 @@
         </p:nvSpPr>
         <p:spPr>
           <a:xfrm>
-            <a:off x="838199" y="537883"/>
+            <a:off x="838200" y="537883"/>
             <a:ext cx="4783697" cy="1942810"/>
           </a:xfrm>
         </p:spPr>
@@ -4609,9 +5896,14 @@
             </a:pPr>
             <a:r>
               <a:rPr lang="fr-CH" sz="1400" dirty="0">
-                <a:latin typeface="Helvetica" pitchFamily="2" charset="0"/>
-              </a:rPr>
-              <a:t>WEST – Vide</a:t>
+                <a:solidFill>
+                  <a:schemeClr val="bg1">
+                    <a:lumMod val="75000"/>
+                  </a:schemeClr>
+                </a:solidFill>
+                <a:latin typeface="Helvetica" pitchFamily="2" charset="0"/>
+              </a:rPr>
+              <a:t>WEST</a:t>
             </a:r>
           </a:p>
           <a:p>
@@ -5189,7 +6481,7 @@
         <p:spPr>
           <a:xfrm>
             <a:off x="838199" y="2686323"/>
-            <a:ext cx="4783697" cy="3140437"/>
+            <a:ext cx="4783697" cy="2929140"/>
           </a:xfrm>
         </p:spPr>
         <p:txBody>
@@ -5198,26 +6490,72 @@
           </a:bodyPr>
           <a:lstStyle/>
           <a:p>
-            <a:pPr marL="0" indent="0">
+            <a:pPr marL="0" indent="0" algn="just">
               <a:buNone/>
             </a:pPr>
             <a:r>
               <a:rPr lang="fr-CH" sz="1400" dirty="0">
                 <a:latin typeface="Helvetica" pitchFamily="2" charset="0"/>
               </a:rPr>
-              <a:t>La zone centrale est composée de 27 butons </a:t>
+              <a:t>La zone CENTER implémente un </a:t>
             </a:r>
             <a:r>
               <a:rPr lang="fr-CH" sz="1400" dirty="0" err="1">
                 <a:latin typeface="Helvetica" pitchFamily="2" charset="0"/>
               </a:rPr>
-              <a:t>diposés</a:t>
+              <a:t>JPanel</a:t>
             </a:r>
             <a:r>
               <a:rPr lang="fr-CH" sz="1400" dirty="0">
                 <a:latin typeface="Helvetica" pitchFamily="2" charset="0"/>
               </a:rPr>
-              <a:t> sur 3 rangées et 9 colonnes. De plus, ces derniers sont stockés dans une liste à 3 dimensions pour les besoins ultérieurs de l’application. En effet, chaque dimension représente une rangée de bouton qui permet de définir si la ligne a été sélectionnée entièrement ou pas.</a:t>
+              <a:t> dans lequel on introduit le </a:t>
+            </a:r>
+            <a:r>
+              <a:rPr lang="fr-CH" sz="1400" dirty="0" err="1">
+                <a:latin typeface="Helvetica" pitchFamily="2" charset="0"/>
+              </a:rPr>
+              <a:t>layout</a:t>
+            </a:r>
+            <a:r>
+              <a:rPr lang="fr-CH" sz="1400" dirty="0">
+                <a:latin typeface="Helvetica" pitchFamily="2" charset="0"/>
+              </a:rPr>
+              <a:t> «</a:t>
+            </a:r>
+            <a:r>
+              <a:rPr lang="fr-CH" sz="1400" dirty="0" err="1">
+                <a:latin typeface="Helvetica" pitchFamily="2" charset="0"/>
+              </a:rPr>
+              <a:t>GridLayout</a:t>
+            </a:r>
+            <a:r>
+              <a:rPr lang="fr-CH" sz="1400" dirty="0">
+                <a:latin typeface="Helvetica" pitchFamily="2" charset="0"/>
+              </a:rPr>
+              <a:t>».</a:t>
+            </a:r>
+          </a:p>
+          <a:p>
+            <a:pPr marL="0" indent="0" algn="just">
+              <a:buNone/>
+            </a:pPr>
+            <a:r>
+              <a:rPr lang="fr-CH" sz="1400" dirty="0">
+                <a:latin typeface="Helvetica" pitchFamily="2" charset="0"/>
+              </a:rPr>
+              <a:t>Cet espace est composé de 27 butons disposés sur 3 rangées et 9 colonnes qui sont stockés dans une liste à 3 dimensions pour les besoins ultérieurs de l’application. En effet, chaque dimension représente une rangée de bouton qui permet de définir si la ligne a été sélectionnée entièrement ou pas.</a:t>
+            </a:r>
+          </a:p>
+          <a:p>
+            <a:pPr marL="0" indent="0" algn="just">
+              <a:buNone/>
+            </a:pPr>
+            <a:r>
+              <a:rPr lang="fr-CH" sz="1400" dirty="0">
+                <a:latin typeface="Helvetica" pitchFamily="2" charset="0"/>
+              </a:rPr>
+              <a:t>De plus, les butons blancs ont des fonctions supplémentaires qui permettent de changer de couleur après avoir été sélectionnés ou quand la souris survole ces derniers.</a:t>
             </a:r>
           </a:p>
           <a:p>
@@ -5263,48 +6601,8 @@
               <a:latin typeface="Helvetica" pitchFamily="2" charset="0"/>
             </a:endParaRPr>
           </a:p>
-          <a:p>
-            <a:pPr marL="0" indent="0">
-              <a:buNone/>
-            </a:pPr>
-            <a:r>
-              <a:rPr lang="fr-FR" sz="800" dirty="0">
-                <a:latin typeface="Helvetica" pitchFamily="2" charset="0"/>
-              </a:rPr>
-              <a:t>  </a:t>
-            </a:r>
-          </a:p>
-        </p:txBody>
-      </p:sp>
-      <p:pic>
-        <p:nvPicPr>
-          <p:cNvPr id="12" name="Image 11">
-            <a:extLst>
-              <a:ext uri="{FF2B5EF4-FFF2-40B4-BE49-F238E27FC236}">
-                <a16:creationId xmlns:a16="http://schemas.microsoft.com/office/drawing/2014/main" id="{3E600066-96A9-46CE-B1B6-F1F9B611CC39}"/>
-              </a:ext>
-            </a:extLst>
-          </p:cNvPr>
-          <p:cNvPicPr>
-            <a:picLocks noChangeAspect="1"/>
-          </p:cNvPicPr>
-          <p:nvPr/>
-        </p:nvPicPr>
-        <p:blipFill rotWithShape="1">
-          <a:blip r:embed="rId2"/>
-          <a:srcRect t="11439" r="26114" b="4798"/>
-          <a:stretch/>
-        </p:blipFill>
-        <p:spPr>
-          <a:xfrm>
-            <a:off x="5988424" y="880641"/>
-            <a:ext cx="5365375" cy="4896504"/>
-          </a:xfrm>
-          <a:prstGeom prst="rect">
-            <a:avLst/>
-          </a:prstGeom>
-        </p:spPr>
-      </p:pic>
+        </p:txBody>
+      </p:sp>
       <p:sp>
         <p:nvSpPr>
           <p:cNvPr id="7" name="Espace réservé de la date 6">
@@ -5437,10 +6735,3174 @@
           </a:p>
         </p:txBody>
       </p:sp>
+      <p:grpSp>
+        <p:nvGrpSpPr>
+          <p:cNvPr id="4" name="Groupe 3">
+            <a:extLst>
+              <a:ext uri="{FF2B5EF4-FFF2-40B4-BE49-F238E27FC236}">
+                <a16:creationId xmlns:a16="http://schemas.microsoft.com/office/drawing/2014/main" id="{787A0FF8-DE48-41AD-8E4F-3B8E9299C0ED}"/>
+              </a:ext>
+            </a:extLst>
+          </p:cNvPr>
+          <p:cNvGrpSpPr/>
+          <p:nvPr/>
+        </p:nvGrpSpPr>
+        <p:grpSpPr>
+          <a:xfrm>
+            <a:off x="7117270" y="750716"/>
+            <a:ext cx="3487819" cy="3383962"/>
+            <a:chOff x="5839061" y="821342"/>
+            <a:chExt cx="5353507" cy="5194095"/>
+          </a:xfrm>
+        </p:grpSpPr>
+        <p:pic>
+          <p:nvPicPr>
+            <p:cNvPr id="11" name="Image 10">
+              <a:extLst>
+                <a:ext uri="{FF2B5EF4-FFF2-40B4-BE49-F238E27FC236}">
+                  <a16:creationId xmlns:a16="http://schemas.microsoft.com/office/drawing/2014/main" id="{FD226056-D124-43F3-BEE1-25BDD73CD292}"/>
+                </a:ext>
+              </a:extLst>
+            </p:cNvPr>
+            <p:cNvPicPr>
+              <a:picLocks noChangeAspect="1"/>
+            </p:cNvPicPr>
+            <p:nvPr/>
+          </p:nvPicPr>
+          <p:blipFill>
+            <a:blip r:embed="rId2"/>
+            <a:stretch>
+              <a:fillRect/>
+            </a:stretch>
+          </p:blipFill>
+          <p:spPr>
+            <a:xfrm>
+              <a:off x="5886109" y="821342"/>
+              <a:ext cx="5306459" cy="5194095"/>
+            </a:xfrm>
+            <a:prstGeom prst="rect">
+              <a:avLst/>
+            </a:prstGeom>
+          </p:spPr>
+        </p:pic>
+        <p:sp>
+          <p:nvSpPr>
+            <p:cNvPr id="13" name="Rectangle 12">
+              <a:extLst>
+                <a:ext uri="{FF2B5EF4-FFF2-40B4-BE49-F238E27FC236}">
+                  <a16:creationId xmlns:a16="http://schemas.microsoft.com/office/drawing/2014/main" id="{3AA2E657-7651-45B6-AAF2-D2D6244749C6}"/>
+                </a:ext>
+              </a:extLst>
+            </p:cNvPr>
+            <p:cNvSpPr/>
+            <p:nvPr/>
+          </p:nvSpPr>
+          <p:spPr>
+            <a:xfrm>
+              <a:off x="5839061" y="1431182"/>
+              <a:ext cx="3911251" cy="4338066"/>
+            </a:xfrm>
+            <a:prstGeom prst="rect">
+              <a:avLst/>
+            </a:prstGeom>
+            <a:noFill/>
+            <a:ln w="28575" cap="flat" cmpd="sng" algn="ctr">
+              <a:solidFill>
+                <a:schemeClr val="bg1"/>
+              </a:solidFill>
+              <a:prstDash val="solid"/>
+              <a:round/>
+              <a:headEnd type="none" w="med" len="med"/>
+              <a:tailEnd type="none" w="med" len="med"/>
+            </a:ln>
+          </p:spPr>
+          <p:style>
+            <a:lnRef idx="0">
+              <a:scrgbClr r="0" g="0" b="0"/>
+            </a:lnRef>
+            <a:fillRef idx="0">
+              <a:scrgbClr r="0" g="0" b="0"/>
+            </a:fillRef>
+            <a:effectRef idx="0">
+              <a:scrgbClr r="0" g="0" b="0"/>
+            </a:effectRef>
+            <a:fontRef idx="minor">
+              <a:schemeClr val="accent2"/>
+            </a:fontRef>
+          </p:style>
+          <p:txBody>
+            <a:bodyPr rtlCol="0" anchor="ctr"/>
+            <a:lstStyle/>
+            <a:p>
+              <a:pPr algn="ctr"/>
+              <a:endParaRPr lang="fr-CH" b="1" dirty="0">
+                <a:solidFill>
+                  <a:schemeClr val="bg1"/>
+                </a:solidFill>
+              </a:endParaRPr>
+            </a:p>
+          </p:txBody>
+        </p:sp>
+        <p:sp>
+          <p:nvSpPr>
+            <p:cNvPr id="14" name="Rectangle 13">
+              <a:extLst>
+                <a:ext uri="{FF2B5EF4-FFF2-40B4-BE49-F238E27FC236}">
+                  <a16:creationId xmlns:a16="http://schemas.microsoft.com/office/drawing/2014/main" id="{A5AF0F22-B9BB-49ED-8401-8F2534DE1646}"/>
+                </a:ext>
+              </a:extLst>
+            </p:cNvPr>
+            <p:cNvSpPr/>
+            <p:nvPr/>
+          </p:nvSpPr>
+          <p:spPr>
+            <a:xfrm>
+              <a:off x="5869541" y="821343"/>
+              <a:ext cx="5306459" cy="588920"/>
+            </a:xfrm>
+            <a:prstGeom prst="rect">
+              <a:avLst/>
+            </a:prstGeom>
+            <a:solidFill>
+              <a:schemeClr val="bg1">
+                <a:alpha val="73000"/>
+              </a:schemeClr>
+            </a:solidFill>
+            <a:ln w="28575" cap="flat" cmpd="sng" algn="ctr">
+              <a:solidFill>
+                <a:schemeClr val="bg1"/>
+              </a:solidFill>
+              <a:prstDash val="solid"/>
+              <a:round/>
+              <a:headEnd type="none" w="med" len="med"/>
+              <a:tailEnd type="none" w="med" len="med"/>
+            </a:ln>
+          </p:spPr>
+          <p:style>
+            <a:lnRef idx="0">
+              <a:scrgbClr r="0" g="0" b="0"/>
+            </a:lnRef>
+            <a:fillRef idx="0">
+              <a:scrgbClr r="0" g="0" b="0"/>
+            </a:fillRef>
+            <a:effectRef idx="0">
+              <a:scrgbClr r="0" g="0" b="0"/>
+            </a:effectRef>
+            <a:fontRef idx="minor">
+              <a:schemeClr val="accent2"/>
+            </a:fontRef>
+          </p:style>
+          <p:txBody>
+            <a:bodyPr rtlCol="0" anchor="ctr"/>
+            <a:lstStyle/>
+            <a:p>
+              <a:pPr algn="ctr"/>
+              <a:endParaRPr lang="fr-CH" b="1" dirty="0">
+                <a:solidFill>
+                  <a:schemeClr val="bg1"/>
+                </a:solidFill>
+              </a:endParaRPr>
+            </a:p>
+          </p:txBody>
+        </p:sp>
+        <p:sp>
+          <p:nvSpPr>
+            <p:cNvPr id="17" name="Rectangle 16">
+              <a:extLst>
+                <a:ext uri="{FF2B5EF4-FFF2-40B4-BE49-F238E27FC236}">
+                  <a16:creationId xmlns:a16="http://schemas.microsoft.com/office/drawing/2014/main" id="{C9B7FC3A-E2D3-40E1-996B-CEC21FCC7FEC}"/>
+                </a:ext>
+              </a:extLst>
+            </p:cNvPr>
+            <p:cNvSpPr/>
+            <p:nvPr/>
+          </p:nvSpPr>
+          <p:spPr>
+            <a:xfrm>
+              <a:off x="9815223" y="1431182"/>
+              <a:ext cx="1360777" cy="4338066"/>
+            </a:xfrm>
+            <a:prstGeom prst="rect">
+              <a:avLst/>
+            </a:prstGeom>
+            <a:solidFill>
+              <a:schemeClr val="bg1">
+                <a:alpha val="73000"/>
+              </a:schemeClr>
+            </a:solidFill>
+            <a:ln w="28575" cap="flat" cmpd="sng" algn="ctr">
+              <a:solidFill>
+                <a:schemeClr val="bg1"/>
+              </a:solidFill>
+              <a:prstDash val="solid"/>
+              <a:round/>
+              <a:headEnd type="none" w="med" len="med"/>
+              <a:tailEnd type="none" w="med" len="med"/>
+            </a:ln>
+          </p:spPr>
+          <p:style>
+            <a:lnRef idx="0">
+              <a:scrgbClr r="0" g="0" b="0"/>
+            </a:lnRef>
+            <a:fillRef idx="0">
+              <a:scrgbClr r="0" g="0" b="0"/>
+            </a:fillRef>
+            <a:effectRef idx="0">
+              <a:scrgbClr r="0" g="0" b="0"/>
+            </a:effectRef>
+            <a:fontRef idx="minor">
+              <a:schemeClr val="accent2"/>
+            </a:fontRef>
+          </p:style>
+          <p:txBody>
+            <a:bodyPr rtlCol="0" anchor="ctr"/>
+            <a:lstStyle/>
+            <a:p>
+              <a:pPr algn="ctr"/>
+              <a:endParaRPr lang="fr-CH" b="1" dirty="0">
+                <a:solidFill>
+                  <a:schemeClr val="bg1"/>
+                </a:solidFill>
+              </a:endParaRPr>
+            </a:p>
+          </p:txBody>
+        </p:sp>
+        <p:sp>
+          <p:nvSpPr>
+            <p:cNvPr id="18" name="Rectangle 17">
+              <a:extLst>
+                <a:ext uri="{FF2B5EF4-FFF2-40B4-BE49-F238E27FC236}">
+                  <a16:creationId xmlns:a16="http://schemas.microsoft.com/office/drawing/2014/main" id="{1DC38979-CFB3-4F31-BBF3-A0CDFF624DB9}"/>
+                </a:ext>
+              </a:extLst>
+            </p:cNvPr>
+            <p:cNvSpPr/>
+            <p:nvPr/>
+          </p:nvSpPr>
+          <p:spPr>
+            <a:xfrm>
+              <a:off x="5869541" y="5790168"/>
+              <a:ext cx="5306459" cy="225269"/>
+            </a:xfrm>
+            <a:prstGeom prst="rect">
+              <a:avLst/>
+            </a:prstGeom>
+            <a:solidFill>
+              <a:schemeClr val="bg1">
+                <a:alpha val="73000"/>
+              </a:schemeClr>
+            </a:solidFill>
+            <a:ln w="28575" cap="flat" cmpd="sng" algn="ctr">
+              <a:solidFill>
+                <a:schemeClr val="bg1"/>
+              </a:solidFill>
+              <a:prstDash val="solid"/>
+              <a:round/>
+              <a:headEnd type="none" w="med" len="med"/>
+              <a:tailEnd type="none" w="med" len="med"/>
+            </a:ln>
+          </p:spPr>
+          <p:style>
+            <a:lnRef idx="0">
+              <a:scrgbClr r="0" g="0" b="0"/>
+            </a:lnRef>
+            <a:fillRef idx="0">
+              <a:scrgbClr r="0" g="0" b="0"/>
+            </a:fillRef>
+            <a:effectRef idx="0">
+              <a:scrgbClr r="0" g="0" b="0"/>
+            </a:effectRef>
+            <a:fontRef idx="minor">
+              <a:schemeClr val="accent2"/>
+            </a:fontRef>
+          </p:style>
+          <p:txBody>
+            <a:bodyPr rtlCol="0" anchor="ctr"/>
+            <a:lstStyle/>
+            <a:p>
+              <a:pPr algn="ctr"/>
+              <a:endParaRPr lang="fr-CH" b="1" dirty="0">
+                <a:solidFill>
+                  <a:schemeClr val="bg1"/>
+                </a:solidFill>
+              </a:endParaRPr>
+            </a:p>
+          </p:txBody>
+        </p:sp>
+      </p:grpSp>
+      <p:pic>
+        <p:nvPicPr>
+          <p:cNvPr id="19" name="Image 18">
+            <a:extLst>
+              <a:ext uri="{FF2B5EF4-FFF2-40B4-BE49-F238E27FC236}">
+                <a16:creationId xmlns:a16="http://schemas.microsoft.com/office/drawing/2014/main" id="{1E146BC2-DF91-4BF0-A4F8-D36AF615B030}"/>
+              </a:ext>
+            </a:extLst>
+          </p:cNvPr>
+          <p:cNvPicPr>
+            <a:picLocks noChangeAspect="1"/>
+          </p:cNvPicPr>
+          <p:nvPr/>
+        </p:nvPicPr>
+        <p:blipFill rotWithShape="1">
+          <a:blip r:embed="rId2"/>
+          <a:srcRect t="11517" r="26293" b="61152"/>
+          <a:stretch/>
+        </p:blipFill>
+        <p:spPr>
+          <a:xfrm>
+            <a:off x="7147922" y="4566690"/>
+            <a:ext cx="3343895" cy="1052749"/>
+          </a:xfrm>
+          <a:prstGeom prst="rect">
+            <a:avLst/>
+          </a:prstGeom>
+        </p:spPr>
+      </p:pic>
+      <p:sp>
+        <p:nvSpPr>
+          <p:cNvPr id="21" name="Rectangle 20">
+            <a:extLst>
+              <a:ext uri="{FF2B5EF4-FFF2-40B4-BE49-F238E27FC236}">
+                <a16:creationId xmlns:a16="http://schemas.microsoft.com/office/drawing/2014/main" id="{9EFC9FE6-B5A7-4742-A0C5-8C33EF45F4FB}"/>
+              </a:ext>
+            </a:extLst>
+          </p:cNvPr>
+          <p:cNvSpPr/>
+          <p:nvPr/>
+        </p:nvSpPr>
+        <p:spPr>
+          <a:xfrm>
+            <a:off x="9000876" y="4562714"/>
+            <a:ext cx="1415332" cy="1052749"/>
+          </a:xfrm>
+          <a:prstGeom prst="rect">
+            <a:avLst/>
+          </a:prstGeom>
+          <a:solidFill>
+            <a:srgbClr val="FF0000">
+              <a:alpha val="50000"/>
+            </a:srgbClr>
+          </a:solidFill>
+          <a:ln w="28575" cap="flat" cmpd="sng" algn="ctr">
+            <a:solidFill>
+              <a:schemeClr val="bg1"/>
+            </a:solidFill>
+            <a:prstDash val="solid"/>
+            <a:round/>
+            <a:headEnd type="none" w="med" len="med"/>
+            <a:tailEnd type="none" w="med" len="med"/>
+          </a:ln>
+        </p:spPr>
+        <p:style>
+          <a:lnRef idx="0">
+            <a:scrgbClr r="0" g="0" b="0"/>
+          </a:lnRef>
+          <a:fillRef idx="0">
+            <a:scrgbClr r="0" g="0" b="0"/>
+          </a:fillRef>
+          <a:effectRef idx="0">
+            <a:scrgbClr r="0" g="0" b="0"/>
+          </a:effectRef>
+          <a:fontRef idx="minor">
+            <a:schemeClr val="accent2"/>
+          </a:fontRef>
+        </p:style>
+        <p:txBody>
+          <a:bodyPr rtlCol="0" anchor="ctr"/>
+          <a:lstStyle/>
+          <a:p>
+            <a:pPr algn="ctr"/>
+            <a:endParaRPr lang="fr-CH" b="1" dirty="0">
+              <a:solidFill>
+                <a:schemeClr val="bg1"/>
+              </a:solidFill>
+            </a:endParaRPr>
+          </a:p>
+        </p:txBody>
+      </p:sp>
+      <p:sp>
+        <p:nvSpPr>
+          <p:cNvPr id="22" name="Rectangle 21">
+            <a:extLst>
+              <a:ext uri="{FF2B5EF4-FFF2-40B4-BE49-F238E27FC236}">
+                <a16:creationId xmlns:a16="http://schemas.microsoft.com/office/drawing/2014/main" id="{359B5954-FBD2-4427-BC4E-665D90D0B6E4}"/>
+              </a:ext>
+            </a:extLst>
+          </p:cNvPr>
+          <p:cNvSpPr/>
+          <p:nvPr/>
+        </p:nvSpPr>
+        <p:spPr>
+          <a:xfrm>
+            <a:off x="8249477" y="4570666"/>
+            <a:ext cx="390939" cy="1052749"/>
+          </a:xfrm>
+          <a:prstGeom prst="rect">
+            <a:avLst/>
+          </a:prstGeom>
+          <a:solidFill>
+            <a:srgbClr val="FFFF00">
+              <a:alpha val="50000"/>
+            </a:srgbClr>
+          </a:solidFill>
+          <a:ln w="28575" cap="flat" cmpd="sng" algn="ctr">
+            <a:solidFill>
+              <a:schemeClr val="bg1"/>
+            </a:solidFill>
+            <a:prstDash val="solid"/>
+            <a:round/>
+            <a:headEnd type="none" w="med" len="med"/>
+            <a:tailEnd type="none" w="med" len="med"/>
+          </a:ln>
+        </p:spPr>
+        <p:style>
+          <a:lnRef idx="0">
+            <a:scrgbClr r="0" g="0" b="0"/>
+          </a:lnRef>
+          <a:fillRef idx="0">
+            <a:scrgbClr r="0" g="0" b="0"/>
+          </a:fillRef>
+          <a:effectRef idx="0">
+            <a:scrgbClr r="0" g="0" b="0"/>
+          </a:effectRef>
+          <a:fontRef idx="minor">
+            <a:schemeClr val="accent2"/>
+          </a:fontRef>
+        </p:style>
+        <p:txBody>
+          <a:bodyPr rtlCol="0" anchor="ctr"/>
+          <a:lstStyle/>
+          <a:p>
+            <a:pPr algn="ctr"/>
+            <a:endParaRPr lang="fr-CH" b="1" dirty="0">
+              <a:solidFill>
+                <a:schemeClr val="bg1"/>
+              </a:solidFill>
+            </a:endParaRPr>
+          </a:p>
+        </p:txBody>
+      </p:sp>
     </p:spTree>
     <p:extLst>
       <p:ext uri="{BB962C8B-B14F-4D97-AF65-F5344CB8AC3E}">
         <p14:creationId xmlns:p14="http://schemas.microsoft.com/office/powerpoint/2010/main" val="194944705"/>
+      </p:ext>
+    </p:extLst>
+  </p:cSld>
+  <p:clrMapOvr>
+    <a:masterClrMapping/>
+  </p:clrMapOvr>
+</p:sld>
+</file>
+
+<file path=ppt/slides/slide6.xml><?xml version="1.0" encoding="utf-8"?>
+<p:sld xmlns:a="http://schemas.openxmlformats.org/drawingml/2006/main" xmlns:r="http://schemas.openxmlformats.org/officeDocument/2006/relationships" xmlns:p="http://schemas.openxmlformats.org/presentationml/2006/main">
+  <p:cSld>
+    <p:spTree>
+      <p:nvGrpSpPr>
+        <p:cNvPr id="1" name=""/>
+        <p:cNvGrpSpPr/>
+        <p:nvPr/>
+      </p:nvGrpSpPr>
+      <p:grpSpPr>
+        <a:xfrm>
+          <a:off x="0" y="0"/>
+          <a:ext cx="0" cy="0"/>
+          <a:chOff x="0" y="0"/>
+          <a:chExt cx="0" cy="0"/>
+        </a:xfrm>
+      </p:grpSpPr>
+      <p:sp>
+        <p:nvSpPr>
+          <p:cNvPr id="2" name="Titre 1">
+            <a:extLst>
+              <a:ext uri="{FF2B5EF4-FFF2-40B4-BE49-F238E27FC236}">
+                <a16:creationId xmlns:a16="http://schemas.microsoft.com/office/drawing/2014/main" id="{74E21C3B-AB17-5642-A0A1-B585738804ED}"/>
+              </a:ext>
+            </a:extLst>
+          </p:cNvPr>
+          <p:cNvSpPr>
+            <a:spLocks noGrp="1"/>
+          </p:cNvSpPr>
+          <p:nvPr>
+            <p:ph type="title"/>
+          </p:nvPr>
+        </p:nvSpPr>
+        <p:spPr>
+          <a:xfrm>
+            <a:off x="838199" y="537883"/>
+            <a:ext cx="4783697" cy="1942810"/>
+          </a:xfrm>
+        </p:spPr>
+        <p:txBody>
+          <a:bodyPr anchor="b">
+            <a:normAutofit/>
+          </a:bodyPr>
+          <a:lstStyle/>
+          <a:p>
+            <a:r>
+              <a:rPr lang="fr-FR" sz="4000" b="1" dirty="0" err="1">
+                <a:latin typeface="Helvetica" pitchFamily="2" charset="0"/>
+              </a:rPr>
+              <a:t>BorderLayout</a:t>
+            </a:r>
+            <a:r>
+              <a:rPr lang="fr-FR" sz="4000" b="1" dirty="0">
+                <a:latin typeface="Helvetica" pitchFamily="2" charset="0"/>
+              </a:rPr>
+              <a:t> - EAST</a:t>
+            </a:r>
+          </a:p>
+        </p:txBody>
+      </p:sp>
+      <p:sp>
+        <p:nvSpPr>
+          <p:cNvPr id="31" name="Espace réservé du contenu 2">
+            <a:extLst>
+              <a:ext uri="{FF2B5EF4-FFF2-40B4-BE49-F238E27FC236}">
+                <a16:creationId xmlns:a16="http://schemas.microsoft.com/office/drawing/2014/main" id="{236D7EC9-1580-7C44-9305-98DC0F334767}"/>
+              </a:ext>
+            </a:extLst>
+          </p:cNvPr>
+          <p:cNvSpPr>
+            <a:spLocks noGrp="1"/>
+          </p:cNvSpPr>
+          <p:nvPr>
+            <p:ph idx="1"/>
+          </p:nvPr>
+        </p:nvSpPr>
+        <p:spPr>
+          <a:xfrm>
+            <a:off x="838199" y="2686323"/>
+            <a:ext cx="4783697" cy="2929140"/>
+          </a:xfrm>
+        </p:spPr>
+        <p:txBody>
+          <a:bodyPr>
+            <a:normAutofit/>
+          </a:bodyPr>
+          <a:lstStyle/>
+          <a:p>
+            <a:pPr marL="0" indent="0" algn="just">
+              <a:buNone/>
+            </a:pPr>
+            <a:r>
+              <a:rPr lang="fr-CH" sz="1400" dirty="0">
+                <a:latin typeface="Helvetica" pitchFamily="2" charset="0"/>
+              </a:rPr>
+              <a:t>La zone EAST implémente un </a:t>
+            </a:r>
+            <a:r>
+              <a:rPr lang="fr-CH" sz="1400" dirty="0" err="1">
+                <a:latin typeface="Helvetica" pitchFamily="2" charset="0"/>
+              </a:rPr>
+              <a:t>JPanel</a:t>
+            </a:r>
+            <a:r>
+              <a:rPr lang="fr-CH" sz="1400" dirty="0">
+                <a:latin typeface="Helvetica" pitchFamily="2" charset="0"/>
+              </a:rPr>
+              <a:t> dans lequel on introduit le </a:t>
+            </a:r>
+            <a:r>
+              <a:rPr lang="fr-CH" sz="1400" dirty="0" err="1">
+                <a:latin typeface="Helvetica" pitchFamily="2" charset="0"/>
+              </a:rPr>
+              <a:t>layout</a:t>
+            </a:r>
+            <a:r>
+              <a:rPr lang="fr-CH" sz="1400" dirty="0">
+                <a:latin typeface="Helvetica" pitchFamily="2" charset="0"/>
+              </a:rPr>
+              <a:t> «</a:t>
+            </a:r>
+            <a:r>
+              <a:rPr lang="fr-CH" sz="1400" dirty="0" err="1">
+                <a:latin typeface="Helvetica" pitchFamily="2" charset="0"/>
+              </a:rPr>
+              <a:t>GridLayout</a:t>
+            </a:r>
+            <a:r>
+              <a:rPr lang="fr-CH" sz="1400" dirty="0">
+                <a:latin typeface="Helvetica" pitchFamily="2" charset="0"/>
+              </a:rPr>
+              <a:t>».</a:t>
+            </a:r>
+          </a:p>
+          <a:p>
+            <a:pPr marL="0" indent="0" algn="just">
+              <a:buNone/>
+            </a:pPr>
+            <a:r>
+              <a:rPr lang="fr-CH" sz="1400" dirty="0">
+                <a:latin typeface="Helvetica" pitchFamily="2" charset="0"/>
+              </a:rPr>
+              <a:t>Cet espace est composé d’un bouton </a:t>
+            </a:r>
+            <a:r>
+              <a:rPr lang="fr-CH" sz="1400" dirty="0" err="1">
+                <a:latin typeface="Helvetica" pitchFamily="2" charset="0"/>
+              </a:rPr>
+              <a:t>token</a:t>
+            </a:r>
+            <a:r>
+              <a:rPr lang="fr-CH" sz="1400" dirty="0">
+                <a:latin typeface="Helvetica" pitchFamily="2" charset="0"/>
+              </a:rPr>
+              <a:t>, d’un label et d’une liste disposés sur une colonne des 3 rangés. Le bouton </a:t>
+            </a:r>
+            <a:r>
+              <a:rPr lang="fr-CH" sz="1400" dirty="0" err="1">
+                <a:latin typeface="Helvetica" pitchFamily="2" charset="0"/>
+              </a:rPr>
+              <a:t>token</a:t>
+            </a:r>
+            <a:r>
+              <a:rPr lang="fr-CH" sz="1400" dirty="0">
+                <a:latin typeface="Helvetica" pitchFamily="2" charset="0"/>
+              </a:rPr>
+              <a:t> tire le numéro du loto. Le label affiche le numéro que le bouton </a:t>
+            </a:r>
+            <a:r>
+              <a:rPr lang="fr-CH" sz="1400" dirty="0" err="1">
+                <a:latin typeface="Helvetica" pitchFamily="2" charset="0"/>
+              </a:rPr>
+              <a:t>token</a:t>
+            </a:r>
+            <a:r>
+              <a:rPr lang="fr-CH" sz="1400" dirty="0">
+                <a:latin typeface="Helvetica" pitchFamily="2" charset="0"/>
+              </a:rPr>
+              <a:t> a tiré et la liste permet de stocker les numéro tirés. Ce dernier implémente un scroll afin de supporter les 90 numéros qui seront tirés. </a:t>
+            </a:r>
+            <a:endParaRPr lang="fr-CH" sz="800" dirty="0">
+              <a:latin typeface="Helvetica" pitchFamily="2" charset="0"/>
+            </a:endParaRPr>
+          </a:p>
+          <a:p>
+            <a:pPr marL="0" indent="0">
+              <a:buNone/>
+            </a:pPr>
+            <a:endParaRPr lang="fr-CH" sz="800" dirty="0">
+              <a:latin typeface="Helvetica" pitchFamily="2" charset="0"/>
+            </a:endParaRPr>
+          </a:p>
+          <a:p>
+            <a:pPr marL="342900" indent="-342900">
+              <a:buFont typeface="+mj-lt"/>
+              <a:buAutoNum type="arabicPeriod"/>
+            </a:pPr>
+            <a:endParaRPr lang="fr-CH" sz="800" dirty="0">
+              <a:latin typeface="Helvetica" pitchFamily="2" charset="0"/>
+            </a:endParaRPr>
+          </a:p>
+          <a:p>
+            <a:pPr marL="0" indent="0">
+              <a:buNone/>
+            </a:pPr>
+            <a:endParaRPr lang="fr-CH" sz="800" dirty="0">
+              <a:latin typeface="Helvetica" pitchFamily="2" charset="0"/>
+            </a:endParaRPr>
+          </a:p>
+        </p:txBody>
+      </p:sp>
+      <p:sp>
+        <p:nvSpPr>
+          <p:cNvPr id="7" name="Espace réservé de la date 6">
+            <a:extLst>
+              <a:ext uri="{FF2B5EF4-FFF2-40B4-BE49-F238E27FC236}">
+                <a16:creationId xmlns:a16="http://schemas.microsoft.com/office/drawing/2014/main" id="{94C9C9D4-711C-E446-A401-8F671E529816}"/>
+              </a:ext>
+            </a:extLst>
+          </p:cNvPr>
+          <p:cNvSpPr>
+            <a:spLocks noGrp="1"/>
+          </p:cNvSpPr>
+          <p:nvPr>
+            <p:ph type="dt" sz="half" idx="10"/>
+          </p:nvPr>
+        </p:nvSpPr>
+        <p:spPr>
+          <a:xfrm>
+            <a:off x="838200" y="6356350"/>
+            <a:ext cx="2743200" cy="365125"/>
+          </a:xfrm>
+        </p:spPr>
+        <p:txBody>
+          <a:bodyPr>
+            <a:normAutofit/>
+          </a:bodyPr>
+          <a:lstStyle/>
+          <a:p>
+            <a:pPr>
+              <a:spcAft>
+                <a:spcPts val="600"/>
+              </a:spcAft>
+            </a:pPr>
+            <a:fld id="{4E70286C-9112-814D-8FD9-06C7A7E8EF85}" type="datetime6">
+              <a:rPr lang="fr-CH" smtClean="0"/>
+              <a:pPr>
+                <a:spcAft>
+                  <a:spcPts val="600"/>
+                </a:spcAft>
+              </a:pPr>
+              <a:t>juin 22</a:t>
+            </a:fld>
+            <a:endParaRPr lang="fr-FR"/>
+          </a:p>
+        </p:txBody>
+      </p:sp>
+      <p:sp>
+        <p:nvSpPr>
+          <p:cNvPr id="9" name="Espace réservé du pied de page 8">
+            <a:extLst>
+              <a:ext uri="{FF2B5EF4-FFF2-40B4-BE49-F238E27FC236}">
+                <a16:creationId xmlns:a16="http://schemas.microsoft.com/office/drawing/2014/main" id="{3D3A5E39-D9A1-F146-8FDC-D1EFB13632C9}"/>
+              </a:ext>
+            </a:extLst>
+          </p:cNvPr>
+          <p:cNvSpPr>
+            <a:spLocks noGrp="1"/>
+          </p:cNvSpPr>
+          <p:nvPr>
+            <p:ph type="ftr" sz="quarter" idx="11"/>
+          </p:nvPr>
+        </p:nvSpPr>
+        <p:spPr>
+          <a:xfrm>
+            <a:off x="4038600" y="6356350"/>
+            <a:ext cx="4114800" cy="365125"/>
+          </a:xfrm>
+        </p:spPr>
+        <p:txBody>
+          <a:bodyPr>
+            <a:normAutofit/>
+          </a:bodyPr>
+          <a:lstStyle/>
+          <a:p>
+            <a:pPr>
+              <a:spcAft>
+                <a:spcPts val="600"/>
+              </a:spcAft>
+            </a:pPr>
+            <a:r>
+              <a:rPr lang="fr-FR" dirty="0"/>
+              <a:t>MODULE IHM</a:t>
+            </a:r>
+          </a:p>
+        </p:txBody>
+      </p:sp>
+      <p:sp>
+        <p:nvSpPr>
+          <p:cNvPr id="8" name="Espace réservé du numéro de diapositive 7">
+            <a:extLst>
+              <a:ext uri="{FF2B5EF4-FFF2-40B4-BE49-F238E27FC236}">
+                <a16:creationId xmlns:a16="http://schemas.microsoft.com/office/drawing/2014/main" id="{EADA71FF-70B7-A549-8AC6-206E5A869C0B}"/>
+              </a:ext>
+            </a:extLst>
+          </p:cNvPr>
+          <p:cNvSpPr>
+            <a:spLocks noGrp="1"/>
+          </p:cNvSpPr>
+          <p:nvPr>
+            <p:ph type="sldNum" sz="quarter" idx="12"/>
+          </p:nvPr>
+        </p:nvSpPr>
+        <p:spPr>
+          <a:xfrm>
+            <a:off x="8610600" y="6356350"/>
+            <a:ext cx="2743200" cy="365125"/>
+          </a:xfrm>
+        </p:spPr>
+        <p:txBody>
+          <a:bodyPr>
+            <a:normAutofit/>
+          </a:bodyPr>
+          <a:lstStyle/>
+          <a:p>
+            <a:pPr>
+              <a:spcAft>
+                <a:spcPts val="600"/>
+              </a:spcAft>
+            </a:pPr>
+            <a:fld id="{1E415CF8-1919-7741-B18A-243CC21B2CD7}" type="slidenum">
+              <a:rPr lang="fr-FR" smtClean="0"/>
+              <a:pPr>
+                <a:spcAft>
+                  <a:spcPts val="600"/>
+                </a:spcAft>
+              </a:pPr>
+              <a:t>6</a:t>
+            </a:fld>
+            <a:endParaRPr lang="fr-FR"/>
+          </a:p>
+        </p:txBody>
+      </p:sp>
+      <p:grpSp>
+        <p:nvGrpSpPr>
+          <p:cNvPr id="6" name="Groupe 5">
+            <a:extLst>
+              <a:ext uri="{FF2B5EF4-FFF2-40B4-BE49-F238E27FC236}">
+                <a16:creationId xmlns:a16="http://schemas.microsoft.com/office/drawing/2014/main" id="{843EE663-EE8E-4523-A5B7-6143E1B41E98}"/>
+              </a:ext>
+            </a:extLst>
+          </p:cNvPr>
+          <p:cNvGrpSpPr/>
+          <p:nvPr/>
+        </p:nvGrpSpPr>
+        <p:grpSpPr>
+          <a:xfrm>
+            <a:off x="6570106" y="1404255"/>
+            <a:ext cx="4695628" cy="3788229"/>
+            <a:chOff x="6348251" y="1261380"/>
+            <a:chExt cx="4695628" cy="3788229"/>
+          </a:xfrm>
+        </p:grpSpPr>
+        <p:pic>
+          <p:nvPicPr>
+            <p:cNvPr id="5" name="Image 4">
+              <a:extLst>
+                <a:ext uri="{FF2B5EF4-FFF2-40B4-BE49-F238E27FC236}">
+                  <a16:creationId xmlns:a16="http://schemas.microsoft.com/office/drawing/2014/main" id="{08D5991D-1C14-4375-BDB7-CC2FDBB822AF}"/>
+                </a:ext>
+              </a:extLst>
+            </p:cNvPr>
+            <p:cNvPicPr>
+              <a:picLocks noChangeAspect="1"/>
+            </p:cNvPicPr>
+            <p:nvPr/>
+          </p:nvPicPr>
+          <p:blipFill>
+            <a:blip r:embed="rId2"/>
+            <a:stretch>
+              <a:fillRect/>
+            </a:stretch>
+          </p:blipFill>
+          <p:spPr>
+            <a:xfrm>
+              <a:off x="6348251" y="1261380"/>
+              <a:ext cx="4695628" cy="3788229"/>
+            </a:xfrm>
+            <a:prstGeom prst="rect">
+              <a:avLst/>
+            </a:prstGeom>
+          </p:spPr>
+        </p:pic>
+        <p:sp>
+          <p:nvSpPr>
+            <p:cNvPr id="13" name="Rectangle 12">
+              <a:extLst>
+                <a:ext uri="{FF2B5EF4-FFF2-40B4-BE49-F238E27FC236}">
+                  <a16:creationId xmlns:a16="http://schemas.microsoft.com/office/drawing/2014/main" id="{3AA2E657-7651-45B6-AAF2-D2D6244749C6}"/>
+                </a:ext>
+              </a:extLst>
+            </p:cNvPr>
+            <p:cNvSpPr/>
+            <p:nvPr/>
+          </p:nvSpPr>
+          <p:spPr>
+            <a:xfrm>
+              <a:off x="6348251" y="1701168"/>
+              <a:ext cx="4351045" cy="3151415"/>
+            </a:xfrm>
+            <a:prstGeom prst="rect">
+              <a:avLst/>
+            </a:prstGeom>
+            <a:solidFill>
+              <a:schemeClr val="bg1">
+                <a:alpha val="73000"/>
+              </a:schemeClr>
+            </a:solidFill>
+            <a:ln w="28575" cap="flat" cmpd="sng" algn="ctr">
+              <a:solidFill>
+                <a:schemeClr val="bg1"/>
+              </a:solidFill>
+              <a:prstDash val="solid"/>
+              <a:round/>
+              <a:headEnd type="none" w="med" len="med"/>
+              <a:tailEnd type="none" w="med" len="med"/>
+            </a:ln>
+          </p:spPr>
+          <p:style>
+            <a:lnRef idx="0">
+              <a:scrgbClr r="0" g="0" b="0"/>
+            </a:lnRef>
+            <a:fillRef idx="0">
+              <a:scrgbClr r="0" g="0" b="0"/>
+            </a:fillRef>
+            <a:effectRef idx="0">
+              <a:scrgbClr r="0" g="0" b="0"/>
+            </a:effectRef>
+            <a:fontRef idx="minor">
+              <a:schemeClr val="accent2"/>
+            </a:fontRef>
+          </p:style>
+          <p:txBody>
+            <a:bodyPr rtlCol="0" anchor="ctr"/>
+            <a:lstStyle/>
+            <a:p>
+              <a:pPr algn="ctr"/>
+              <a:endParaRPr lang="fr-CH" b="1" dirty="0">
+                <a:solidFill>
+                  <a:schemeClr val="bg1"/>
+                </a:solidFill>
+              </a:endParaRPr>
+            </a:p>
+          </p:txBody>
+        </p:sp>
+        <p:sp>
+          <p:nvSpPr>
+            <p:cNvPr id="14" name="Rectangle 13">
+              <a:extLst>
+                <a:ext uri="{FF2B5EF4-FFF2-40B4-BE49-F238E27FC236}">
+                  <a16:creationId xmlns:a16="http://schemas.microsoft.com/office/drawing/2014/main" id="{A5AF0F22-B9BB-49ED-8401-8F2534DE1646}"/>
+                </a:ext>
+              </a:extLst>
+            </p:cNvPr>
+            <p:cNvSpPr/>
+            <p:nvPr/>
+          </p:nvSpPr>
+          <p:spPr>
+            <a:xfrm>
+              <a:off x="6361902" y="1268462"/>
+              <a:ext cx="4681977" cy="425625"/>
+            </a:xfrm>
+            <a:prstGeom prst="rect">
+              <a:avLst/>
+            </a:prstGeom>
+            <a:solidFill>
+              <a:schemeClr val="bg1">
+                <a:alpha val="73000"/>
+              </a:schemeClr>
+            </a:solidFill>
+            <a:ln w="28575" cap="flat" cmpd="sng" algn="ctr">
+              <a:solidFill>
+                <a:schemeClr val="bg1"/>
+              </a:solidFill>
+              <a:prstDash val="solid"/>
+              <a:round/>
+              <a:headEnd type="none" w="med" len="med"/>
+              <a:tailEnd type="none" w="med" len="med"/>
+            </a:ln>
+          </p:spPr>
+          <p:style>
+            <a:lnRef idx="0">
+              <a:scrgbClr r="0" g="0" b="0"/>
+            </a:lnRef>
+            <a:fillRef idx="0">
+              <a:scrgbClr r="0" g="0" b="0"/>
+            </a:fillRef>
+            <a:effectRef idx="0">
+              <a:scrgbClr r="0" g="0" b="0"/>
+            </a:effectRef>
+            <a:fontRef idx="minor">
+              <a:schemeClr val="accent2"/>
+            </a:fontRef>
+          </p:style>
+          <p:txBody>
+            <a:bodyPr rtlCol="0" anchor="ctr"/>
+            <a:lstStyle/>
+            <a:p>
+              <a:pPr algn="ctr"/>
+              <a:endParaRPr lang="fr-CH" b="1" dirty="0">
+                <a:solidFill>
+                  <a:schemeClr val="bg1"/>
+                </a:solidFill>
+              </a:endParaRPr>
+            </a:p>
+          </p:txBody>
+        </p:sp>
+        <p:sp>
+          <p:nvSpPr>
+            <p:cNvPr id="17" name="Rectangle 16">
+              <a:extLst>
+                <a:ext uri="{FF2B5EF4-FFF2-40B4-BE49-F238E27FC236}">
+                  <a16:creationId xmlns:a16="http://schemas.microsoft.com/office/drawing/2014/main" id="{C9B7FC3A-E2D3-40E1-996B-CEC21FCC7FEC}"/>
+                </a:ext>
+              </a:extLst>
+            </p:cNvPr>
+            <p:cNvSpPr/>
+            <p:nvPr/>
+          </p:nvSpPr>
+          <p:spPr>
+            <a:xfrm>
+              <a:off x="10699296" y="1694088"/>
+              <a:ext cx="344583" cy="3151416"/>
+            </a:xfrm>
+            <a:prstGeom prst="rect">
+              <a:avLst/>
+            </a:prstGeom>
+            <a:solidFill>
+              <a:schemeClr val="bg1">
+                <a:alpha val="0"/>
+              </a:schemeClr>
+            </a:solidFill>
+            <a:ln w="28575" cap="flat" cmpd="sng" algn="ctr">
+              <a:solidFill>
+                <a:schemeClr val="bg1"/>
+              </a:solidFill>
+              <a:prstDash val="solid"/>
+              <a:round/>
+              <a:headEnd type="none" w="med" len="med"/>
+              <a:tailEnd type="none" w="med" len="med"/>
+            </a:ln>
+          </p:spPr>
+          <p:style>
+            <a:lnRef idx="0">
+              <a:scrgbClr r="0" g="0" b="0"/>
+            </a:lnRef>
+            <a:fillRef idx="0">
+              <a:scrgbClr r="0" g="0" b="0"/>
+            </a:fillRef>
+            <a:effectRef idx="0">
+              <a:scrgbClr r="0" g="0" b="0"/>
+            </a:effectRef>
+            <a:fontRef idx="minor">
+              <a:schemeClr val="accent2"/>
+            </a:fontRef>
+          </p:style>
+          <p:txBody>
+            <a:bodyPr rtlCol="0" anchor="ctr"/>
+            <a:lstStyle/>
+            <a:p>
+              <a:pPr algn="ctr"/>
+              <a:endParaRPr lang="fr-CH" b="1" dirty="0">
+                <a:solidFill>
+                  <a:schemeClr val="bg1"/>
+                </a:solidFill>
+              </a:endParaRPr>
+            </a:p>
+          </p:txBody>
+        </p:sp>
+        <p:sp>
+          <p:nvSpPr>
+            <p:cNvPr id="18" name="Rectangle 17">
+              <a:extLst>
+                <a:ext uri="{FF2B5EF4-FFF2-40B4-BE49-F238E27FC236}">
+                  <a16:creationId xmlns:a16="http://schemas.microsoft.com/office/drawing/2014/main" id="{1DC38979-CFB3-4F31-BBF3-A0CDFF624DB9}"/>
+                </a:ext>
+              </a:extLst>
+            </p:cNvPr>
+            <p:cNvSpPr/>
+            <p:nvPr/>
+          </p:nvSpPr>
+          <p:spPr>
+            <a:xfrm>
+              <a:off x="6361902" y="4845504"/>
+              <a:ext cx="4651719" cy="186537"/>
+            </a:xfrm>
+            <a:prstGeom prst="rect">
+              <a:avLst/>
+            </a:prstGeom>
+            <a:solidFill>
+              <a:schemeClr val="bg1">
+                <a:alpha val="73000"/>
+              </a:schemeClr>
+            </a:solidFill>
+            <a:ln w="28575" cap="flat" cmpd="sng" algn="ctr">
+              <a:solidFill>
+                <a:schemeClr val="bg1"/>
+              </a:solidFill>
+              <a:prstDash val="solid"/>
+              <a:round/>
+              <a:headEnd type="none" w="med" len="med"/>
+              <a:tailEnd type="none" w="med" len="med"/>
+            </a:ln>
+          </p:spPr>
+          <p:style>
+            <a:lnRef idx="0">
+              <a:scrgbClr r="0" g="0" b="0"/>
+            </a:lnRef>
+            <a:fillRef idx="0">
+              <a:scrgbClr r="0" g="0" b="0"/>
+            </a:fillRef>
+            <a:effectRef idx="0">
+              <a:scrgbClr r="0" g="0" b="0"/>
+            </a:effectRef>
+            <a:fontRef idx="minor">
+              <a:schemeClr val="accent2"/>
+            </a:fontRef>
+          </p:style>
+          <p:txBody>
+            <a:bodyPr rtlCol="0" anchor="ctr"/>
+            <a:lstStyle/>
+            <a:p>
+              <a:pPr algn="ctr"/>
+              <a:endParaRPr lang="fr-CH" b="1" dirty="0">
+                <a:solidFill>
+                  <a:schemeClr val="bg1"/>
+                </a:solidFill>
+              </a:endParaRPr>
+            </a:p>
+          </p:txBody>
+        </p:sp>
+      </p:grpSp>
+    </p:spTree>
+    <p:extLst>
+      <p:ext uri="{BB962C8B-B14F-4D97-AF65-F5344CB8AC3E}">
+        <p14:creationId xmlns:p14="http://schemas.microsoft.com/office/powerpoint/2010/main" val="3887842096"/>
+      </p:ext>
+    </p:extLst>
+  </p:cSld>
+  <p:clrMapOvr>
+    <a:masterClrMapping/>
+  </p:clrMapOvr>
+</p:sld>
+</file>
+
+<file path=ppt/slides/slide7.xml><?xml version="1.0" encoding="utf-8"?>
+<p:sld xmlns:a="http://schemas.openxmlformats.org/drawingml/2006/main" xmlns:r="http://schemas.openxmlformats.org/officeDocument/2006/relationships" xmlns:p="http://schemas.openxmlformats.org/presentationml/2006/main">
+  <p:cSld>
+    <p:spTree>
+      <p:nvGrpSpPr>
+        <p:cNvPr id="1" name=""/>
+        <p:cNvGrpSpPr/>
+        <p:nvPr/>
+      </p:nvGrpSpPr>
+      <p:grpSpPr>
+        <a:xfrm>
+          <a:off x="0" y="0"/>
+          <a:ext cx="0" cy="0"/>
+          <a:chOff x="0" y="0"/>
+          <a:chExt cx="0" cy="0"/>
+        </a:xfrm>
+      </p:grpSpPr>
+      <p:sp>
+        <p:nvSpPr>
+          <p:cNvPr id="2" name="Titre 1">
+            <a:extLst>
+              <a:ext uri="{FF2B5EF4-FFF2-40B4-BE49-F238E27FC236}">
+                <a16:creationId xmlns:a16="http://schemas.microsoft.com/office/drawing/2014/main" id="{74E21C3B-AB17-5642-A0A1-B585738804ED}"/>
+              </a:ext>
+            </a:extLst>
+          </p:cNvPr>
+          <p:cNvSpPr>
+            <a:spLocks noGrp="1"/>
+          </p:cNvSpPr>
+          <p:nvPr>
+            <p:ph type="title"/>
+          </p:nvPr>
+        </p:nvSpPr>
+        <p:spPr>
+          <a:xfrm>
+            <a:off x="838199" y="537883"/>
+            <a:ext cx="4783697" cy="1942810"/>
+          </a:xfrm>
+        </p:spPr>
+        <p:txBody>
+          <a:bodyPr anchor="b">
+            <a:normAutofit/>
+          </a:bodyPr>
+          <a:lstStyle/>
+          <a:p>
+            <a:r>
+              <a:rPr lang="fr-FR" sz="4000" b="1" dirty="0" err="1">
+                <a:latin typeface="Helvetica" pitchFamily="2" charset="0"/>
+              </a:rPr>
+              <a:t>BorderLayout</a:t>
+            </a:r>
+            <a:r>
+              <a:rPr lang="fr-FR" sz="4000" b="1" dirty="0">
+                <a:latin typeface="Helvetica" pitchFamily="2" charset="0"/>
+              </a:rPr>
+              <a:t> - NORTH</a:t>
+            </a:r>
+          </a:p>
+        </p:txBody>
+      </p:sp>
+      <p:sp>
+        <p:nvSpPr>
+          <p:cNvPr id="31" name="Espace réservé du contenu 2">
+            <a:extLst>
+              <a:ext uri="{FF2B5EF4-FFF2-40B4-BE49-F238E27FC236}">
+                <a16:creationId xmlns:a16="http://schemas.microsoft.com/office/drawing/2014/main" id="{236D7EC9-1580-7C44-9305-98DC0F334767}"/>
+              </a:ext>
+            </a:extLst>
+          </p:cNvPr>
+          <p:cNvSpPr>
+            <a:spLocks noGrp="1"/>
+          </p:cNvSpPr>
+          <p:nvPr>
+            <p:ph idx="1"/>
+          </p:nvPr>
+        </p:nvSpPr>
+        <p:spPr>
+          <a:xfrm>
+            <a:off x="838199" y="2686323"/>
+            <a:ext cx="4783697" cy="2929140"/>
+          </a:xfrm>
+        </p:spPr>
+        <p:txBody>
+          <a:bodyPr>
+            <a:normAutofit/>
+          </a:bodyPr>
+          <a:lstStyle/>
+          <a:p>
+            <a:pPr marL="0" indent="0" algn="just">
+              <a:buNone/>
+            </a:pPr>
+            <a:r>
+              <a:rPr lang="fr-CH" sz="1400" dirty="0">
+                <a:latin typeface="Helvetica" pitchFamily="2" charset="0"/>
+              </a:rPr>
+              <a:t>La zone NORTH implémente un </a:t>
+            </a:r>
+            <a:r>
+              <a:rPr lang="fr-CH" sz="1400" dirty="0" err="1">
+                <a:latin typeface="Helvetica" pitchFamily="2" charset="0"/>
+              </a:rPr>
+              <a:t>JPanel</a:t>
+            </a:r>
+            <a:r>
+              <a:rPr lang="fr-CH" sz="1400" dirty="0">
+                <a:latin typeface="Helvetica" pitchFamily="2" charset="0"/>
+              </a:rPr>
+              <a:t> dans lequel on introduit le </a:t>
+            </a:r>
+            <a:r>
+              <a:rPr lang="fr-CH" sz="1400" dirty="0" err="1">
+                <a:latin typeface="Helvetica" pitchFamily="2" charset="0"/>
+              </a:rPr>
+              <a:t>layout</a:t>
+            </a:r>
+            <a:r>
+              <a:rPr lang="fr-CH" sz="1400" dirty="0">
+                <a:latin typeface="Helvetica" pitchFamily="2" charset="0"/>
+              </a:rPr>
+              <a:t> «</a:t>
+            </a:r>
+            <a:r>
+              <a:rPr lang="fr-CH" sz="1400" dirty="0" err="1">
+                <a:latin typeface="Helvetica" pitchFamily="2" charset="0"/>
+              </a:rPr>
+              <a:t>FlowLayout</a:t>
+            </a:r>
+            <a:r>
+              <a:rPr lang="fr-CH" sz="1400" dirty="0">
+                <a:latin typeface="Helvetica" pitchFamily="2" charset="0"/>
+              </a:rPr>
+              <a:t>» avec un contraint LEFT.</a:t>
+            </a:r>
+          </a:p>
+          <a:p>
+            <a:pPr marL="0" indent="0" algn="just">
+              <a:buNone/>
+            </a:pPr>
+            <a:r>
+              <a:rPr lang="fr-CH" sz="1400" dirty="0">
+                <a:latin typeface="Helvetica" pitchFamily="2" charset="0"/>
+              </a:rPr>
+              <a:t>Cet espace est composé des trois boutons suivants:</a:t>
+            </a:r>
+          </a:p>
+          <a:p>
+            <a:pPr algn="just"/>
+            <a:r>
+              <a:rPr lang="fr-CH" sz="1400" dirty="0">
+                <a:latin typeface="Helvetica" pitchFamily="2" charset="0"/>
+              </a:rPr>
+              <a:t>Quin = une rangée</a:t>
+            </a:r>
+          </a:p>
+          <a:p>
+            <a:pPr algn="just"/>
+            <a:r>
+              <a:rPr lang="fr-CH" sz="1400" dirty="0">
+                <a:latin typeface="Helvetica" pitchFamily="2" charset="0"/>
+              </a:rPr>
+              <a:t>Double </a:t>
+            </a:r>
+            <a:r>
+              <a:rPr lang="fr-CH" sz="1400" dirty="0" err="1">
+                <a:latin typeface="Helvetica" pitchFamily="2" charset="0"/>
+              </a:rPr>
+              <a:t>quin</a:t>
+            </a:r>
+            <a:r>
+              <a:rPr lang="fr-CH" sz="1400" dirty="0">
+                <a:latin typeface="Helvetica" pitchFamily="2" charset="0"/>
+              </a:rPr>
+              <a:t> = deux rangées</a:t>
+            </a:r>
+          </a:p>
+          <a:p>
+            <a:pPr algn="just"/>
+            <a:r>
+              <a:rPr lang="fr-CH" sz="1400" dirty="0">
+                <a:latin typeface="Helvetica" pitchFamily="2" charset="0"/>
+              </a:rPr>
+              <a:t>Carton = trois rangées</a:t>
+            </a:r>
+          </a:p>
+          <a:p>
+            <a:pPr marL="0" indent="0" algn="just">
+              <a:buNone/>
+            </a:pPr>
+            <a:r>
+              <a:rPr lang="fr-CH" sz="1400" dirty="0">
+                <a:latin typeface="Helvetica" pitchFamily="2" charset="0"/>
+              </a:rPr>
+              <a:t>Ces boutons ont pour fonction de vérifier les boutons sélectionnés dans la zone CENTER selon les numéros qui ont été tirés.</a:t>
+            </a:r>
+            <a:endParaRPr lang="fr-CH" sz="800" dirty="0">
+              <a:latin typeface="Helvetica" pitchFamily="2" charset="0"/>
+            </a:endParaRPr>
+          </a:p>
+          <a:p>
+            <a:pPr marL="0" indent="0">
+              <a:buNone/>
+            </a:pPr>
+            <a:endParaRPr lang="fr-CH" sz="800" dirty="0">
+              <a:latin typeface="Helvetica" pitchFamily="2" charset="0"/>
+            </a:endParaRPr>
+          </a:p>
+          <a:p>
+            <a:pPr marL="342900" indent="-342900">
+              <a:buFont typeface="+mj-lt"/>
+              <a:buAutoNum type="arabicPeriod"/>
+            </a:pPr>
+            <a:endParaRPr lang="fr-CH" sz="800" dirty="0">
+              <a:latin typeface="Helvetica" pitchFamily="2" charset="0"/>
+            </a:endParaRPr>
+          </a:p>
+          <a:p>
+            <a:pPr marL="0" indent="0">
+              <a:buNone/>
+            </a:pPr>
+            <a:endParaRPr lang="fr-CH" sz="800" dirty="0">
+              <a:latin typeface="Helvetica" pitchFamily="2" charset="0"/>
+            </a:endParaRPr>
+          </a:p>
+        </p:txBody>
+      </p:sp>
+      <p:sp>
+        <p:nvSpPr>
+          <p:cNvPr id="7" name="Espace réservé de la date 6">
+            <a:extLst>
+              <a:ext uri="{FF2B5EF4-FFF2-40B4-BE49-F238E27FC236}">
+                <a16:creationId xmlns:a16="http://schemas.microsoft.com/office/drawing/2014/main" id="{94C9C9D4-711C-E446-A401-8F671E529816}"/>
+              </a:ext>
+            </a:extLst>
+          </p:cNvPr>
+          <p:cNvSpPr>
+            <a:spLocks noGrp="1"/>
+          </p:cNvSpPr>
+          <p:nvPr>
+            <p:ph type="dt" sz="half" idx="10"/>
+          </p:nvPr>
+        </p:nvSpPr>
+        <p:spPr>
+          <a:xfrm>
+            <a:off x="838200" y="6356350"/>
+            <a:ext cx="2743200" cy="365125"/>
+          </a:xfrm>
+        </p:spPr>
+        <p:txBody>
+          <a:bodyPr>
+            <a:normAutofit/>
+          </a:bodyPr>
+          <a:lstStyle/>
+          <a:p>
+            <a:pPr>
+              <a:spcAft>
+                <a:spcPts val="600"/>
+              </a:spcAft>
+            </a:pPr>
+            <a:fld id="{4E70286C-9112-814D-8FD9-06C7A7E8EF85}" type="datetime6">
+              <a:rPr lang="fr-CH" smtClean="0"/>
+              <a:pPr>
+                <a:spcAft>
+                  <a:spcPts val="600"/>
+                </a:spcAft>
+              </a:pPr>
+              <a:t>juin 22</a:t>
+            </a:fld>
+            <a:endParaRPr lang="fr-FR" dirty="0"/>
+          </a:p>
+        </p:txBody>
+      </p:sp>
+      <p:sp>
+        <p:nvSpPr>
+          <p:cNvPr id="9" name="Espace réservé du pied de page 8">
+            <a:extLst>
+              <a:ext uri="{FF2B5EF4-FFF2-40B4-BE49-F238E27FC236}">
+                <a16:creationId xmlns:a16="http://schemas.microsoft.com/office/drawing/2014/main" id="{3D3A5E39-D9A1-F146-8FDC-D1EFB13632C9}"/>
+              </a:ext>
+            </a:extLst>
+          </p:cNvPr>
+          <p:cNvSpPr>
+            <a:spLocks noGrp="1"/>
+          </p:cNvSpPr>
+          <p:nvPr>
+            <p:ph type="ftr" sz="quarter" idx="11"/>
+          </p:nvPr>
+        </p:nvSpPr>
+        <p:spPr>
+          <a:xfrm>
+            <a:off x="4038600" y="6356350"/>
+            <a:ext cx="4114800" cy="365125"/>
+          </a:xfrm>
+        </p:spPr>
+        <p:txBody>
+          <a:bodyPr>
+            <a:normAutofit/>
+          </a:bodyPr>
+          <a:lstStyle/>
+          <a:p>
+            <a:pPr>
+              <a:spcAft>
+                <a:spcPts val="600"/>
+              </a:spcAft>
+            </a:pPr>
+            <a:r>
+              <a:rPr lang="fr-FR" dirty="0"/>
+              <a:t>MODULE IHM</a:t>
+            </a:r>
+          </a:p>
+        </p:txBody>
+      </p:sp>
+      <p:sp>
+        <p:nvSpPr>
+          <p:cNvPr id="8" name="Espace réservé du numéro de diapositive 7">
+            <a:extLst>
+              <a:ext uri="{FF2B5EF4-FFF2-40B4-BE49-F238E27FC236}">
+                <a16:creationId xmlns:a16="http://schemas.microsoft.com/office/drawing/2014/main" id="{EADA71FF-70B7-A549-8AC6-206E5A869C0B}"/>
+              </a:ext>
+            </a:extLst>
+          </p:cNvPr>
+          <p:cNvSpPr>
+            <a:spLocks noGrp="1"/>
+          </p:cNvSpPr>
+          <p:nvPr>
+            <p:ph type="sldNum" sz="quarter" idx="12"/>
+          </p:nvPr>
+        </p:nvSpPr>
+        <p:spPr>
+          <a:xfrm>
+            <a:off x="8610600" y="6356350"/>
+            <a:ext cx="2743200" cy="365125"/>
+          </a:xfrm>
+        </p:spPr>
+        <p:txBody>
+          <a:bodyPr>
+            <a:normAutofit/>
+          </a:bodyPr>
+          <a:lstStyle/>
+          <a:p>
+            <a:pPr>
+              <a:spcAft>
+                <a:spcPts val="600"/>
+              </a:spcAft>
+            </a:pPr>
+            <a:fld id="{1E415CF8-1919-7741-B18A-243CC21B2CD7}" type="slidenum">
+              <a:rPr lang="fr-FR" smtClean="0"/>
+              <a:pPr>
+                <a:spcAft>
+                  <a:spcPts val="600"/>
+                </a:spcAft>
+              </a:pPr>
+              <a:t>7</a:t>
+            </a:fld>
+            <a:endParaRPr lang="fr-FR"/>
+          </a:p>
+        </p:txBody>
+      </p:sp>
+      <p:pic>
+        <p:nvPicPr>
+          <p:cNvPr id="5" name="Image 4">
+            <a:extLst>
+              <a:ext uri="{FF2B5EF4-FFF2-40B4-BE49-F238E27FC236}">
+                <a16:creationId xmlns:a16="http://schemas.microsoft.com/office/drawing/2014/main" id="{08D5991D-1C14-4375-BDB7-CC2FDBB822AF}"/>
+              </a:ext>
+            </a:extLst>
+          </p:cNvPr>
+          <p:cNvPicPr>
+            <a:picLocks noChangeAspect="1"/>
+          </p:cNvPicPr>
+          <p:nvPr/>
+        </p:nvPicPr>
+        <p:blipFill>
+          <a:blip r:embed="rId2"/>
+          <a:stretch>
+            <a:fillRect/>
+          </a:stretch>
+        </p:blipFill>
+        <p:spPr>
+          <a:xfrm>
+            <a:off x="6570106" y="1404255"/>
+            <a:ext cx="4695628" cy="3788229"/>
+          </a:xfrm>
+          <a:prstGeom prst="rect">
+            <a:avLst/>
+          </a:prstGeom>
+        </p:spPr>
+      </p:pic>
+      <p:sp>
+        <p:nvSpPr>
+          <p:cNvPr id="13" name="Rectangle 12">
+            <a:extLst>
+              <a:ext uri="{FF2B5EF4-FFF2-40B4-BE49-F238E27FC236}">
+                <a16:creationId xmlns:a16="http://schemas.microsoft.com/office/drawing/2014/main" id="{3AA2E657-7651-45B6-AAF2-D2D6244749C6}"/>
+              </a:ext>
+            </a:extLst>
+          </p:cNvPr>
+          <p:cNvSpPr/>
+          <p:nvPr/>
+        </p:nvSpPr>
+        <p:spPr>
+          <a:xfrm>
+            <a:off x="6570106" y="1844043"/>
+            <a:ext cx="4351045" cy="3151415"/>
+          </a:xfrm>
+          <a:prstGeom prst="rect">
+            <a:avLst/>
+          </a:prstGeom>
+          <a:solidFill>
+            <a:schemeClr val="bg1">
+              <a:alpha val="73000"/>
+            </a:schemeClr>
+          </a:solidFill>
+          <a:ln w="28575" cap="flat" cmpd="sng" algn="ctr">
+            <a:solidFill>
+              <a:schemeClr val="bg1"/>
+            </a:solidFill>
+            <a:prstDash val="solid"/>
+            <a:round/>
+            <a:headEnd type="none" w="med" len="med"/>
+            <a:tailEnd type="none" w="med" len="med"/>
+          </a:ln>
+        </p:spPr>
+        <p:style>
+          <a:lnRef idx="0">
+            <a:scrgbClr r="0" g="0" b="0"/>
+          </a:lnRef>
+          <a:fillRef idx="0">
+            <a:scrgbClr r="0" g="0" b="0"/>
+          </a:fillRef>
+          <a:effectRef idx="0">
+            <a:scrgbClr r="0" g="0" b="0"/>
+          </a:effectRef>
+          <a:fontRef idx="minor">
+            <a:schemeClr val="accent2"/>
+          </a:fontRef>
+        </p:style>
+        <p:txBody>
+          <a:bodyPr rtlCol="0" anchor="ctr"/>
+          <a:lstStyle/>
+          <a:p>
+            <a:pPr algn="ctr"/>
+            <a:endParaRPr lang="fr-CH" b="1" dirty="0">
+              <a:solidFill>
+                <a:schemeClr val="bg1"/>
+              </a:solidFill>
+            </a:endParaRPr>
+          </a:p>
+        </p:txBody>
+      </p:sp>
+      <p:sp>
+        <p:nvSpPr>
+          <p:cNvPr id="14" name="Rectangle 13">
+            <a:extLst>
+              <a:ext uri="{FF2B5EF4-FFF2-40B4-BE49-F238E27FC236}">
+                <a16:creationId xmlns:a16="http://schemas.microsoft.com/office/drawing/2014/main" id="{A5AF0F22-B9BB-49ED-8401-8F2534DE1646}"/>
+              </a:ext>
+            </a:extLst>
+          </p:cNvPr>
+          <p:cNvSpPr/>
+          <p:nvPr/>
+        </p:nvSpPr>
+        <p:spPr>
+          <a:xfrm>
+            <a:off x="6583757" y="1664585"/>
+            <a:ext cx="4681977" cy="172377"/>
+          </a:xfrm>
+          <a:prstGeom prst="rect">
+            <a:avLst/>
+          </a:prstGeom>
+          <a:solidFill>
+            <a:schemeClr val="bg1">
+              <a:alpha val="0"/>
+            </a:schemeClr>
+          </a:solidFill>
+          <a:ln w="28575" cap="flat" cmpd="sng" algn="ctr">
+            <a:solidFill>
+              <a:schemeClr val="bg1"/>
+            </a:solidFill>
+            <a:prstDash val="solid"/>
+            <a:round/>
+            <a:headEnd type="none" w="med" len="med"/>
+            <a:tailEnd type="none" w="med" len="med"/>
+          </a:ln>
+        </p:spPr>
+        <p:style>
+          <a:lnRef idx="0">
+            <a:scrgbClr r="0" g="0" b="0"/>
+          </a:lnRef>
+          <a:fillRef idx="0">
+            <a:scrgbClr r="0" g="0" b="0"/>
+          </a:fillRef>
+          <a:effectRef idx="0">
+            <a:scrgbClr r="0" g="0" b="0"/>
+          </a:effectRef>
+          <a:fontRef idx="minor">
+            <a:schemeClr val="accent2"/>
+          </a:fontRef>
+        </p:style>
+        <p:txBody>
+          <a:bodyPr rtlCol="0" anchor="ctr"/>
+          <a:lstStyle/>
+          <a:p>
+            <a:pPr algn="ctr"/>
+            <a:endParaRPr lang="fr-CH" b="1" dirty="0">
+              <a:solidFill>
+                <a:schemeClr val="bg1"/>
+              </a:solidFill>
+            </a:endParaRPr>
+          </a:p>
+        </p:txBody>
+      </p:sp>
+      <p:sp>
+        <p:nvSpPr>
+          <p:cNvPr id="17" name="Rectangle 16">
+            <a:extLst>
+              <a:ext uri="{FF2B5EF4-FFF2-40B4-BE49-F238E27FC236}">
+                <a16:creationId xmlns:a16="http://schemas.microsoft.com/office/drawing/2014/main" id="{C9B7FC3A-E2D3-40E1-996B-CEC21FCC7FEC}"/>
+              </a:ext>
+            </a:extLst>
+          </p:cNvPr>
+          <p:cNvSpPr/>
+          <p:nvPr/>
+        </p:nvSpPr>
+        <p:spPr>
+          <a:xfrm>
+            <a:off x="10921151" y="1836963"/>
+            <a:ext cx="344583" cy="3151416"/>
+          </a:xfrm>
+          <a:prstGeom prst="rect">
+            <a:avLst/>
+          </a:prstGeom>
+          <a:solidFill>
+            <a:schemeClr val="bg1">
+              <a:alpha val="73000"/>
+            </a:schemeClr>
+          </a:solidFill>
+          <a:ln w="28575" cap="flat" cmpd="sng" algn="ctr">
+            <a:solidFill>
+              <a:schemeClr val="bg1"/>
+            </a:solidFill>
+            <a:prstDash val="solid"/>
+            <a:round/>
+            <a:headEnd type="none" w="med" len="med"/>
+            <a:tailEnd type="none" w="med" len="med"/>
+          </a:ln>
+        </p:spPr>
+        <p:style>
+          <a:lnRef idx="0">
+            <a:scrgbClr r="0" g="0" b="0"/>
+          </a:lnRef>
+          <a:fillRef idx="0">
+            <a:scrgbClr r="0" g="0" b="0"/>
+          </a:fillRef>
+          <a:effectRef idx="0">
+            <a:scrgbClr r="0" g="0" b="0"/>
+          </a:effectRef>
+          <a:fontRef idx="minor">
+            <a:schemeClr val="accent2"/>
+          </a:fontRef>
+        </p:style>
+        <p:txBody>
+          <a:bodyPr rtlCol="0" anchor="ctr"/>
+          <a:lstStyle/>
+          <a:p>
+            <a:pPr algn="ctr"/>
+            <a:endParaRPr lang="fr-CH" b="1" dirty="0">
+              <a:solidFill>
+                <a:schemeClr val="bg1"/>
+              </a:solidFill>
+            </a:endParaRPr>
+          </a:p>
+        </p:txBody>
+      </p:sp>
+      <p:sp>
+        <p:nvSpPr>
+          <p:cNvPr id="18" name="Rectangle 17">
+            <a:extLst>
+              <a:ext uri="{FF2B5EF4-FFF2-40B4-BE49-F238E27FC236}">
+                <a16:creationId xmlns:a16="http://schemas.microsoft.com/office/drawing/2014/main" id="{1DC38979-CFB3-4F31-BBF3-A0CDFF624DB9}"/>
+              </a:ext>
+            </a:extLst>
+          </p:cNvPr>
+          <p:cNvSpPr/>
+          <p:nvPr/>
+        </p:nvSpPr>
+        <p:spPr>
+          <a:xfrm>
+            <a:off x="6583757" y="4988379"/>
+            <a:ext cx="4651719" cy="186537"/>
+          </a:xfrm>
+          <a:prstGeom prst="rect">
+            <a:avLst/>
+          </a:prstGeom>
+          <a:solidFill>
+            <a:schemeClr val="bg1">
+              <a:alpha val="73000"/>
+            </a:schemeClr>
+          </a:solidFill>
+          <a:ln w="28575" cap="flat" cmpd="sng" algn="ctr">
+            <a:solidFill>
+              <a:schemeClr val="bg1"/>
+            </a:solidFill>
+            <a:prstDash val="solid"/>
+            <a:round/>
+            <a:headEnd type="none" w="med" len="med"/>
+            <a:tailEnd type="none" w="med" len="med"/>
+          </a:ln>
+        </p:spPr>
+        <p:style>
+          <a:lnRef idx="0">
+            <a:scrgbClr r="0" g="0" b="0"/>
+          </a:lnRef>
+          <a:fillRef idx="0">
+            <a:scrgbClr r="0" g="0" b="0"/>
+          </a:fillRef>
+          <a:effectRef idx="0">
+            <a:scrgbClr r="0" g="0" b="0"/>
+          </a:effectRef>
+          <a:fontRef idx="minor">
+            <a:schemeClr val="accent2"/>
+          </a:fontRef>
+        </p:style>
+        <p:txBody>
+          <a:bodyPr rtlCol="0" anchor="ctr"/>
+          <a:lstStyle/>
+          <a:p>
+            <a:pPr algn="ctr"/>
+            <a:endParaRPr lang="fr-CH" b="1" dirty="0">
+              <a:solidFill>
+                <a:schemeClr val="bg1"/>
+              </a:solidFill>
+            </a:endParaRPr>
+          </a:p>
+        </p:txBody>
+      </p:sp>
+      <p:sp>
+        <p:nvSpPr>
+          <p:cNvPr id="15" name="Rectangle 14">
+            <a:extLst>
+              <a:ext uri="{FF2B5EF4-FFF2-40B4-BE49-F238E27FC236}">
+                <a16:creationId xmlns:a16="http://schemas.microsoft.com/office/drawing/2014/main" id="{1D705A5F-0E0D-4886-8D1D-8CB1C434A2BF}"/>
+              </a:ext>
+            </a:extLst>
+          </p:cNvPr>
+          <p:cNvSpPr/>
+          <p:nvPr/>
+        </p:nvSpPr>
+        <p:spPr>
+          <a:xfrm>
+            <a:off x="6583757" y="1404254"/>
+            <a:ext cx="4681977" cy="246171"/>
+          </a:xfrm>
+          <a:prstGeom prst="rect">
+            <a:avLst/>
+          </a:prstGeom>
+          <a:solidFill>
+            <a:schemeClr val="bg1">
+              <a:alpha val="73000"/>
+            </a:schemeClr>
+          </a:solidFill>
+          <a:ln w="28575" cap="flat" cmpd="sng" algn="ctr">
+            <a:solidFill>
+              <a:schemeClr val="bg1"/>
+            </a:solidFill>
+            <a:prstDash val="solid"/>
+            <a:round/>
+            <a:headEnd type="none" w="med" len="med"/>
+            <a:tailEnd type="none" w="med" len="med"/>
+          </a:ln>
+        </p:spPr>
+        <p:style>
+          <a:lnRef idx="0">
+            <a:scrgbClr r="0" g="0" b="0"/>
+          </a:lnRef>
+          <a:fillRef idx="0">
+            <a:scrgbClr r="0" g="0" b="0"/>
+          </a:fillRef>
+          <a:effectRef idx="0">
+            <a:scrgbClr r="0" g="0" b="0"/>
+          </a:effectRef>
+          <a:fontRef idx="minor">
+            <a:schemeClr val="accent2"/>
+          </a:fontRef>
+        </p:style>
+        <p:txBody>
+          <a:bodyPr rtlCol="0" anchor="ctr"/>
+          <a:lstStyle/>
+          <a:p>
+            <a:pPr algn="ctr"/>
+            <a:endParaRPr lang="fr-CH" b="1" dirty="0">
+              <a:solidFill>
+                <a:schemeClr val="bg1"/>
+              </a:solidFill>
+            </a:endParaRPr>
+          </a:p>
+        </p:txBody>
+      </p:sp>
+    </p:spTree>
+    <p:extLst>
+      <p:ext uri="{BB962C8B-B14F-4D97-AF65-F5344CB8AC3E}">
+        <p14:creationId xmlns:p14="http://schemas.microsoft.com/office/powerpoint/2010/main" val="4262465820"/>
+      </p:ext>
+    </p:extLst>
+  </p:cSld>
+  <p:clrMapOvr>
+    <a:masterClrMapping/>
+  </p:clrMapOvr>
+</p:sld>
+</file>
+
+<file path=ppt/slides/slide8.xml><?xml version="1.0" encoding="utf-8"?>
+<p:sld xmlns:a="http://schemas.openxmlformats.org/drawingml/2006/main" xmlns:r="http://schemas.openxmlformats.org/officeDocument/2006/relationships" xmlns:p="http://schemas.openxmlformats.org/presentationml/2006/main">
+  <p:cSld>
+    <p:spTree>
+      <p:nvGrpSpPr>
+        <p:cNvPr id="1" name=""/>
+        <p:cNvGrpSpPr/>
+        <p:nvPr/>
+      </p:nvGrpSpPr>
+      <p:grpSpPr>
+        <a:xfrm>
+          <a:off x="0" y="0"/>
+          <a:ext cx="0" cy="0"/>
+          <a:chOff x="0" y="0"/>
+          <a:chExt cx="0" cy="0"/>
+        </a:xfrm>
+      </p:grpSpPr>
+      <p:sp>
+        <p:nvSpPr>
+          <p:cNvPr id="2" name="Titre 1">
+            <a:extLst>
+              <a:ext uri="{FF2B5EF4-FFF2-40B4-BE49-F238E27FC236}">
+                <a16:creationId xmlns:a16="http://schemas.microsoft.com/office/drawing/2014/main" id="{74E21C3B-AB17-5642-A0A1-B585738804ED}"/>
+              </a:ext>
+            </a:extLst>
+          </p:cNvPr>
+          <p:cNvSpPr>
+            <a:spLocks noGrp="1"/>
+          </p:cNvSpPr>
+          <p:nvPr>
+            <p:ph type="title"/>
+          </p:nvPr>
+        </p:nvSpPr>
+        <p:spPr>
+          <a:xfrm>
+            <a:off x="838199" y="537883"/>
+            <a:ext cx="4783697" cy="1942810"/>
+          </a:xfrm>
+        </p:spPr>
+        <p:txBody>
+          <a:bodyPr anchor="b">
+            <a:normAutofit/>
+          </a:bodyPr>
+          <a:lstStyle/>
+          <a:p>
+            <a:r>
+              <a:rPr lang="fr-FR" sz="4000" b="1" dirty="0" err="1">
+                <a:latin typeface="Helvetica" pitchFamily="2" charset="0"/>
+              </a:rPr>
+              <a:t>BorderLayout</a:t>
+            </a:r>
+            <a:r>
+              <a:rPr lang="fr-FR" sz="4000" b="1" dirty="0">
+                <a:latin typeface="Helvetica" pitchFamily="2" charset="0"/>
+              </a:rPr>
+              <a:t> - SOUTH</a:t>
+            </a:r>
+          </a:p>
+        </p:txBody>
+      </p:sp>
+      <p:sp>
+        <p:nvSpPr>
+          <p:cNvPr id="31" name="Espace réservé du contenu 2">
+            <a:extLst>
+              <a:ext uri="{FF2B5EF4-FFF2-40B4-BE49-F238E27FC236}">
+                <a16:creationId xmlns:a16="http://schemas.microsoft.com/office/drawing/2014/main" id="{236D7EC9-1580-7C44-9305-98DC0F334767}"/>
+              </a:ext>
+            </a:extLst>
+          </p:cNvPr>
+          <p:cNvSpPr>
+            <a:spLocks noGrp="1"/>
+          </p:cNvSpPr>
+          <p:nvPr>
+            <p:ph idx="1"/>
+          </p:nvPr>
+        </p:nvSpPr>
+        <p:spPr>
+          <a:xfrm>
+            <a:off x="838199" y="2686323"/>
+            <a:ext cx="4783697" cy="2929140"/>
+          </a:xfrm>
+        </p:spPr>
+        <p:txBody>
+          <a:bodyPr>
+            <a:normAutofit/>
+          </a:bodyPr>
+          <a:lstStyle/>
+          <a:p>
+            <a:pPr marL="0" indent="0" algn="just">
+              <a:buNone/>
+            </a:pPr>
+            <a:r>
+              <a:rPr lang="fr-CH" sz="1400" dirty="0">
+                <a:latin typeface="Helvetica" pitchFamily="2" charset="0"/>
+              </a:rPr>
+              <a:t>La zone SOUTH implémente un </a:t>
+            </a:r>
+            <a:r>
+              <a:rPr lang="fr-CH" sz="1400" dirty="0" err="1">
+                <a:latin typeface="Helvetica" pitchFamily="2" charset="0"/>
+              </a:rPr>
+              <a:t>JPanel</a:t>
+            </a:r>
+            <a:r>
+              <a:rPr lang="fr-CH" sz="1400" dirty="0">
+                <a:latin typeface="Helvetica" pitchFamily="2" charset="0"/>
+              </a:rPr>
+              <a:t> dans lequel on introduit le </a:t>
+            </a:r>
+            <a:r>
+              <a:rPr lang="fr-CH" sz="1400" dirty="0" err="1">
+                <a:latin typeface="Helvetica" pitchFamily="2" charset="0"/>
+              </a:rPr>
+              <a:t>layout</a:t>
+            </a:r>
+            <a:r>
+              <a:rPr lang="fr-CH" sz="1400" dirty="0">
+                <a:latin typeface="Helvetica" pitchFamily="2" charset="0"/>
+              </a:rPr>
+              <a:t> «</a:t>
+            </a:r>
+            <a:r>
+              <a:rPr lang="fr-CH" sz="1400" dirty="0" err="1">
+                <a:latin typeface="Helvetica" pitchFamily="2" charset="0"/>
+              </a:rPr>
+              <a:t>FlowLayout</a:t>
+            </a:r>
+            <a:r>
+              <a:rPr lang="fr-CH" sz="1400" dirty="0">
+                <a:latin typeface="Helvetica" pitchFamily="2" charset="0"/>
+              </a:rPr>
+              <a:t>» avec un contraint RIGHT.</a:t>
+            </a:r>
+          </a:p>
+          <a:p>
+            <a:pPr marL="0" indent="0" algn="just">
+              <a:buNone/>
+            </a:pPr>
+            <a:r>
+              <a:rPr lang="fr-CH" sz="1400" dirty="0">
+                <a:latin typeface="Helvetica" pitchFamily="2" charset="0"/>
+              </a:rPr>
+              <a:t>Cet espace est composé des trois boutons suivants:</a:t>
+            </a:r>
+          </a:p>
+          <a:p>
+            <a:pPr algn="just"/>
+            <a:r>
+              <a:rPr lang="fr-CH" sz="1400" dirty="0" err="1">
+                <a:latin typeface="Helvetica" pitchFamily="2" charset="0"/>
+              </a:rPr>
+              <a:t>Themes</a:t>
+            </a:r>
+            <a:r>
+              <a:rPr lang="fr-CH" sz="1400" dirty="0">
+                <a:latin typeface="Helvetica" pitchFamily="2" charset="0"/>
+              </a:rPr>
+              <a:t>: Choix de la couleurs des cartons</a:t>
+            </a:r>
+          </a:p>
+          <a:p>
+            <a:pPr algn="just"/>
+            <a:r>
+              <a:rPr lang="fr-CH" sz="1400" dirty="0">
+                <a:latin typeface="Helvetica" pitchFamily="2" charset="0"/>
+              </a:rPr>
+              <a:t>Close: Fermeture de l’application</a:t>
+            </a:r>
+          </a:p>
+          <a:p>
+            <a:pPr algn="just"/>
+            <a:r>
+              <a:rPr lang="fr-CH" sz="1400" dirty="0">
+                <a:latin typeface="Helvetica" pitchFamily="2" charset="0"/>
+              </a:rPr>
+              <a:t>Help: Règle du jeu</a:t>
+            </a:r>
+          </a:p>
+          <a:p>
+            <a:pPr marL="0" indent="0">
+              <a:buNone/>
+            </a:pPr>
+            <a:endParaRPr lang="fr-CH" sz="800" dirty="0">
+              <a:latin typeface="Helvetica" pitchFamily="2" charset="0"/>
+            </a:endParaRPr>
+          </a:p>
+          <a:p>
+            <a:pPr marL="342900" indent="-342900">
+              <a:buFont typeface="+mj-lt"/>
+              <a:buAutoNum type="arabicPeriod"/>
+            </a:pPr>
+            <a:endParaRPr lang="fr-CH" sz="800" dirty="0">
+              <a:latin typeface="Helvetica" pitchFamily="2" charset="0"/>
+            </a:endParaRPr>
+          </a:p>
+          <a:p>
+            <a:pPr marL="0" indent="0">
+              <a:buNone/>
+            </a:pPr>
+            <a:endParaRPr lang="fr-CH" sz="800" dirty="0">
+              <a:latin typeface="Helvetica" pitchFamily="2" charset="0"/>
+            </a:endParaRPr>
+          </a:p>
+        </p:txBody>
+      </p:sp>
+      <p:sp>
+        <p:nvSpPr>
+          <p:cNvPr id="7" name="Espace réservé de la date 6">
+            <a:extLst>
+              <a:ext uri="{FF2B5EF4-FFF2-40B4-BE49-F238E27FC236}">
+                <a16:creationId xmlns:a16="http://schemas.microsoft.com/office/drawing/2014/main" id="{94C9C9D4-711C-E446-A401-8F671E529816}"/>
+              </a:ext>
+            </a:extLst>
+          </p:cNvPr>
+          <p:cNvSpPr>
+            <a:spLocks noGrp="1"/>
+          </p:cNvSpPr>
+          <p:nvPr>
+            <p:ph type="dt" sz="half" idx="10"/>
+          </p:nvPr>
+        </p:nvSpPr>
+        <p:spPr>
+          <a:xfrm>
+            <a:off x="838200" y="6356350"/>
+            <a:ext cx="2743200" cy="365125"/>
+          </a:xfrm>
+        </p:spPr>
+        <p:txBody>
+          <a:bodyPr>
+            <a:normAutofit/>
+          </a:bodyPr>
+          <a:lstStyle/>
+          <a:p>
+            <a:pPr>
+              <a:spcAft>
+                <a:spcPts val="600"/>
+              </a:spcAft>
+            </a:pPr>
+            <a:fld id="{4E70286C-9112-814D-8FD9-06C7A7E8EF85}" type="datetime6">
+              <a:rPr lang="fr-CH" smtClean="0"/>
+              <a:pPr>
+                <a:spcAft>
+                  <a:spcPts val="600"/>
+                </a:spcAft>
+              </a:pPr>
+              <a:t>juin 22</a:t>
+            </a:fld>
+            <a:endParaRPr lang="fr-FR" dirty="0"/>
+          </a:p>
+        </p:txBody>
+      </p:sp>
+      <p:sp>
+        <p:nvSpPr>
+          <p:cNvPr id="9" name="Espace réservé du pied de page 8">
+            <a:extLst>
+              <a:ext uri="{FF2B5EF4-FFF2-40B4-BE49-F238E27FC236}">
+                <a16:creationId xmlns:a16="http://schemas.microsoft.com/office/drawing/2014/main" id="{3D3A5E39-D9A1-F146-8FDC-D1EFB13632C9}"/>
+              </a:ext>
+            </a:extLst>
+          </p:cNvPr>
+          <p:cNvSpPr>
+            <a:spLocks noGrp="1"/>
+          </p:cNvSpPr>
+          <p:nvPr>
+            <p:ph type="ftr" sz="quarter" idx="11"/>
+          </p:nvPr>
+        </p:nvSpPr>
+        <p:spPr>
+          <a:xfrm>
+            <a:off x="4038600" y="6356350"/>
+            <a:ext cx="4114800" cy="365125"/>
+          </a:xfrm>
+        </p:spPr>
+        <p:txBody>
+          <a:bodyPr>
+            <a:normAutofit/>
+          </a:bodyPr>
+          <a:lstStyle/>
+          <a:p>
+            <a:pPr>
+              <a:spcAft>
+                <a:spcPts val="600"/>
+              </a:spcAft>
+            </a:pPr>
+            <a:r>
+              <a:rPr lang="fr-FR" dirty="0"/>
+              <a:t>MODULE IHM</a:t>
+            </a:r>
+          </a:p>
+        </p:txBody>
+      </p:sp>
+      <p:sp>
+        <p:nvSpPr>
+          <p:cNvPr id="8" name="Espace réservé du numéro de diapositive 7">
+            <a:extLst>
+              <a:ext uri="{FF2B5EF4-FFF2-40B4-BE49-F238E27FC236}">
+                <a16:creationId xmlns:a16="http://schemas.microsoft.com/office/drawing/2014/main" id="{EADA71FF-70B7-A549-8AC6-206E5A869C0B}"/>
+              </a:ext>
+            </a:extLst>
+          </p:cNvPr>
+          <p:cNvSpPr>
+            <a:spLocks noGrp="1"/>
+          </p:cNvSpPr>
+          <p:nvPr>
+            <p:ph type="sldNum" sz="quarter" idx="12"/>
+          </p:nvPr>
+        </p:nvSpPr>
+        <p:spPr>
+          <a:xfrm>
+            <a:off x="8610600" y="6356350"/>
+            <a:ext cx="2743200" cy="365125"/>
+          </a:xfrm>
+        </p:spPr>
+        <p:txBody>
+          <a:bodyPr>
+            <a:normAutofit/>
+          </a:bodyPr>
+          <a:lstStyle/>
+          <a:p>
+            <a:pPr>
+              <a:spcAft>
+                <a:spcPts val="600"/>
+              </a:spcAft>
+            </a:pPr>
+            <a:fld id="{1E415CF8-1919-7741-B18A-243CC21B2CD7}" type="slidenum">
+              <a:rPr lang="fr-FR" smtClean="0"/>
+              <a:pPr>
+                <a:spcAft>
+                  <a:spcPts val="600"/>
+                </a:spcAft>
+              </a:pPr>
+              <a:t>8</a:t>
+            </a:fld>
+            <a:endParaRPr lang="fr-FR"/>
+          </a:p>
+        </p:txBody>
+      </p:sp>
+      <p:pic>
+        <p:nvPicPr>
+          <p:cNvPr id="5" name="Image 4">
+            <a:extLst>
+              <a:ext uri="{FF2B5EF4-FFF2-40B4-BE49-F238E27FC236}">
+                <a16:creationId xmlns:a16="http://schemas.microsoft.com/office/drawing/2014/main" id="{08D5991D-1C14-4375-BDB7-CC2FDBB822AF}"/>
+              </a:ext>
+            </a:extLst>
+          </p:cNvPr>
+          <p:cNvPicPr>
+            <a:picLocks noChangeAspect="1"/>
+          </p:cNvPicPr>
+          <p:nvPr/>
+        </p:nvPicPr>
+        <p:blipFill>
+          <a:blip r:embed="rId2"/>
+          <a:stretch>
+            <a:fillRect/>
+          </a:stretch>
+        </p:blipFill>
+        <p:spPr>
+          <a:xfrm>
+            <a:off x="6570106" y="1404255"/>
+            <a:ext cx="4695628" cy="3788229"/>
+          </a:xfrm>
+          <a:prstGeom prst="rect">
+            <a:avLst/>
+          </a:prstGeom>
+        </p:spPr>
+      </p:pic>
+      <p:sp>
+        <p:nvSpPr>
+          <p:cNvPr id="13" name="Rectangle 12">
+            <a:extLst>
+              <a:ext uri="{FF2B5EF4-FFF2-40B4-BE49-F238E27FC236}">
+                <a16:creationId xmlns:a16="http://schemas.microsoft.com/office/drawing/2014/main" id="{3AA2E657-7651-45B6-AAF2-D2D6244749C6}"/>
+              </a:ext>
+            </a:extLst>
+          </p:cNvPr>
+          <p:cNvSpPr/>
+          <p:nvPr/>
+        </p:nvSpPr>
+        <p:spPr>
+          <a:xfrm>
+            <a:off x="6570106" y="1844043"/>
+            <a:ext cx="4351045" cy="3151415"/>
+          </a:xfrm>
+          <a:prstGeom prst="rect">
+            <a:avLst/>
+          </a:prstGeom>
+          <a:solidFill>
+            <a:schemeClr val="bg1">
+              <a:alpha val="73000"/>
+            </a:schemeClr>
+          </a:solidFill>
+          <a:ln w="28575" cap="flat" cmpd="sng" algn="ctr">
+            <a:solidFill>
+              <a:schemeClr val="bg1"/>
+            </a:solidFill>
+            <a:prstDash val="solid"/>
+            <a:round/>
+            <a:headEnd type="none" w="med" len="med"/>
+            <a:tailEnd type="none" w="med" len="med"/>
+          </a:ln>
+        </p:spPr>
+        <p:style>
+          <a:lnRef idx="0">
+            <a:scrgbClr r="0" g="0" b="0"/>
+          </a:lnRef>
+          <a:fillRef idx="0">
+            <a:scrgbClr r="0" g="0" b="0"/>
+          </a:fillRef>
+          <a:effectRef idx="0">
+            <a:scrgbClr r="0" g="0" b="0"/>
+          </a:effectRef>
+          <a:fontRef idx="minor">
+            <a:schemeClr val="accent2"/>
+          </a:fontRef>
+        </p:style>
+        <p:txBody>
+          <a:bodyPr rtlCol="0" anchor="ctr"/>
+          <a:lstStyle/>
+          <a:p>
+            <a:pPr algn="ctr"/>
+            <a:endParaRPr lang="fr-CH" b="1" dirty="0">
+              <a:solidFill>
+                <a:schemeClr val="bg1"/>
+              </a:solidFill>
+            </a:endParaRPr>
+          </a:p>
+        </p:txBody>
+      </p:sp>
+      <p:sp>
+        <p:nvSpPr>
+          <p:cNvPr id="14" name="Rectangle 13">
+            <a:extLst>
+              <a:ext uri="{FF2B5EF4-FFF2-40B4-BE49-F238E27FC236}">
+                <a16:creationId xmlns:a16="http://schemas.microsoft.com/office/drawing/2014/main" id="{A5AF0F22-B9BB-49ED-8401-8F2534DE1646}"/>
+              </a:ext>
+            </a:extLst>
+          </p:cNvPr>
+          <p:cNvSpPr/>
+          <p:nvPr/>
+        </p:nvSpPr>
+        <p:spPr>
+          <a:xfrm>
+            <a:off x="6583757" y="1664585"/>
+            <a:ext cx="4681977" cy="172377"/>
+          </a:xfrm>
+          <a:prstGeom prst="rect">
+            <a:avLst/>
+          </a:prstGeom>
+          <a:solidFill>
+            <a:schemeClr val="bg1">
+              <a:alpha val="73000"/>
+            </a:schemeClr>
+          </a:solidFill>
+          <a:ln w="28575" cap="flat" cmpd="sng" algn="ctr">
+            <a:solidFill>
+              <a:schemeClr val="bg1"/>
+            </a:solidFill>
+            <a:prstDash val="solid"/>
+            <a:round/>
+            <a:headEnd type="none" w="med" len="med"/>
+            <a:tailEnd type="none" w="med" len="med"/>
+          </a:ln>
+        </p:spPr>
+        <p:style>
+          <a:lnRef idx="0">
+            <a:scrgbClr r="0" g="0" b="0"/>
+          </a:lnRef>
+          <a:fillRef idx="0">
+            <a:scrgbClr r="0" g="0" b="0"/>
+          </a:fillRef>
+          <a:effectRef idx="0">
+            <a:scrgbClr r="0" g="0" b="0"/>
+          </a:effectRef>
+          <a:fontRef idx="minor">
+            <a:schemeClr val="accent2"/>
+          </a:fontRef>
+        </p:style>
+        <p:txBody>
+          <a:bodyPr rtlCol="0" anchor="ctr"/>
+          <a:lstStyle/>
+          <a:p>
+            <a:pPr algn="ctr"/>
+            <a:endParaRPr lang="fr-CH" b="1" dirty="0">
+              <a:solidFill>
+                <a:schemeClr val="bg1"/>
+              </a:solidFill>
+            </a:endParaRPr>
+          </a:p>
+        </p:txBody>
+      </p:sp>
+      <p:sp>
+        <p:nvSpPr>
+          <p:cNvPr id="17" name="Rectangle 16">
+            <a:extLst>
+              <a:ext uri="{FF2B5EF4-FFF2-40B4-BE49-F238E27FC236}">
+                <a16:creationId xmlns:a16="http://schemas.microsoft.com/office/drawing/2014/main" id="{C9B7FC3A-E2D3-40E1-996B-CEC21FCC7FEC}"/>
+              </a:ext>
+            </a:extLst>
+          </p:cNvPr>
+          <p:cNvSpPr/>
+          <p:nvPr/>
+        </p:nvSpPr>
+        <p:spPr>
+          <a:xfrm>
+            <a:off x="10921151" y="1836963"/>
+            <a:ext cx="344583" cy="3151416"/>
+          </a:xfrm>
+          <a:prstGeom prst="rect">
+            <a:avLst/>
+          </a:prstGeom>
+          <a:solidFill>
+            <a:schemeClr val="bg1">
+              <a:alpha val="73000"/>
+            </a:schemeClr>
+          </a:solidFill>
+          <a:ln w="28575" cap="flat" cmpd="sng" algn="ctr">
+            <a:solidFill>
+              <a:schemeClr val="bg1"/>
+            </a:solidFill>
+            <a:prstDash val="solid"/>
+            <a:round/>
+            <a:headEnd type="none" w="med" len="med"/>
+            <a:tailEnd type="none" w="med" len="med"/>
+          </a:ln>
+        </p:spPr>
+        <p:style>
+          <a:lnRef idx="0">
+            <a:scrgbClr r="0" g="0" b="0"/>
+          </a:lnRef>
+          <a:fillRef idx="0">
+            <a:scrgbClr r="0" g="0" b="0"/>
+          </a:fillRef>
+          <a:effectRef idx="0">
+            <a:scrgbClr r="0" g="0" b="0"/>
+          </a:effectRef>
+          <a:fontRef idx="minor">
+            <a:schemeClr val="accent2"/>
+          </a:fontRef>
+        </p:style>
+        <p:txBody>
+          <a:bodyPr rtlCol="0" anchor="ctr"/>
+          <a:lstStyle/>
+          <a:p>
+            <a:pPr algn="ctr"/>
+            <a:endParaRPr lang="fr-CH" b="1" dirty="0">
+              <a:solidFill>
+                <a:schemeClr val="bg1"/>
+              </a:solidFill>
+            </a:endParaRPr>
+          </a:p>
+        </p:txBody>
+      </p:sp>
+      <p:sp>
+        <p:nvSpPr>
+          <p:cNvPr id="18" name="Rectangle 17">
+            <a:extLst>
+              <a:ext uri="{FF2B5EF4-FFF2-40B4-BE49-F238E27FC236}">
+                <a16:creationId xmlns:a16="http://schemas.microsoft.com/office/drawing/2014/main" id="{1DC38979-CFB3-4F31-BBF3-A0CDFF624DB9}"/>
+              </a:ext>
+            </a:extLst>
+          </p:cNvPr>
+          <p:cNvSpPr/>
+          <p:nvPr/>
+        </p:nvSpPr>
+        <p:spPr>
+          <a:xfrm>
+            <a:off x="6583757" y="4988379"/>
+            <a:ext cx="4651719" cy="186537"/>
+          </a:xfrm>
+          <a:prstGeom prst="rect">
+            <a:avLst/>
+          </a:prstGeom>
+          <a:solidFill>
+            <a:schemeClr val="bg1">
+              <a:alpha val="0"/>
+            </a:schemeClr>
+          </a:solidFill>
+          <a:ln w="28575" cap="flat" cmpd="sng" algn="ctr">
+            <a:solidFill>
+              <a:schemeClr val="bg1"/>
+            </a:solidFill>
+            <a:prstDash val="solid"/>
+            <a:round/>
+            <a:headEnd type="none" w="med" len="med"/>
+            <a:tailEnd type="none" w="med" len="med"/>
+          </a:ln>
+        </p:spPr>
+        <p:style>
+          <a:lnRef idx="0">
+            <a:scrgbClr r="0" g="0" b="0"/>
+          </a:lnRef>
+          <a:fillRef idx="0">
+            <a:scrgbClr r="0" g="0" b="0"/>
+          </a:fillRef>
+          <a:effectRef idx="0">
+            <a:scrgbClr r="0" g="0" b="0"/>
+          </a:effectRef>
+          <a:fontRef idx="minor">
+            <a:schemeClr val="accent2"/>
+          </a:fontRef>
+        </p:style>
+        <p:txBody>
+          <a:bodyPr rtlCol="0" anchor="ctr"/>
+          <a:lstStyle/>
+          <a:p>
+            <a:pPr algn="ctr"/>
+            <a:endParaRPr lang="fr-CH" b="1" dirty="0">
+              <a:solidFill>
+                <a:schemeClr val="bg1"/>
+              </a:solidFill>
+            </a:endParaRPr>
+          </a:p>
+        </p:txBody>
+      </p:sp>
+      <p:sp>
+        <p:nvSpPr>
+          <p:cNvPr id="15" name="Rectangle 14">
+            <a:extLst>
+              <a:ext uri="{FF2B5EF4-FFF2-40B4-BE49-F238E27FC236}">
+                <a16:creationId xmlns:a16="http://schemas.microsoft.com/office/drawing/2014/main" id="{1D705A5F-0E0D-4886-8D1D-8CB1C434A2BF}"/>
+              </a:ext>
+            </a:extLst>
+          </p:cNvPr>
+          <p:cNvSpPr/>
+          <p:nvPr/>
+        </p:nvSpPr>
+        <p:spPr>
+          <a:xfrm>
+            <a:off x="6583757" y="1404254"/>
+            <a:ext cx="4681977" cy="246171"/>
+          </a:xfrm>
+          <a:prstGeom prst="rect">
+            <a:avLst/>
+          </a:prstGeom>
+          <a:solidFill>
+            <a:schemeClr val="bg1">
+              <a:alpha val="73000"/>
+            </a:schemeClr>
+          </a:solidFill>
+          <a:ln w="28575" cap="flat" cmpd="sng" algn="ctr">
+            <a:solidFill>
+              <a:schemeClr val="bg1"/>
+            </a:solidFill>
+            <a:prstDash val="solid"/>
+            <a:round/>
+            <a:headEnd type="none" w="med" len="med"/>
+            <a:tailEnd type="none" w="med" len="med"/>
+          </a:ln>
+        </p:spPr>
+        <p:style>
+          <a:lnRef idx="0">
+            <a:scrgbClr r="0" g="0" b="0"/>
+          </a:lnRef>
+          <a:fillRef idx="0">
+            <a:scrgbClr r="0" g="0" b="0"/>
+          </a:fillRef>
+          <a:effectRef idx="0">
+            <a:scrgbClr r="0" g="0" b="0"/>
+          </a:effectRef>
+          <a:fontRef idx="minor">
+            <a:schemeClr val="accent2"/>
+          </a:fontRef>
+        </p:style>
+        <p:txBody>
+          <a:bodyPr rtlCol="0" anchor="ctr"/>
+          <a:lstStyle/>
+          <a:p>
+            <a:pPr algn="ctr"/>
+            <a:endParaRPr lang="fr-CH" b="1" dirty="0">
+              <a:solidFill>
+                <a:schemeClr val="bg1"/>
+              </a:solidFill>
+            </a:endParaRPr>
+          </a:p>
+        </p:txBody>
+      </p:sp>
+    </p:spTree>
+    <p:extLst>
+      <p:ext uri="{BB962C8B-B14F-4D97-AF65-F5344CB8AC3E}">
+        <p14:creationId xmlns:p14="http://schemas.microsoft.com/office/powerpoint/2010/main" val="2466369460"/>
+      </p:ext>
+    </p:extLst>
+  </p:cSld>
+  <p:clrMapOvr>
+    <a:masterClrMapping/>
+  </p:clrMapOvr>
+</p:sld>
+</file>
+
+<file path=ppt/slides/slide9.xml><?xml version="1.0" encoding="utf-8"?>
+<p:sld xmlns:a="http://schemas.openxmlformats.org/drawingml/2006/main" xmlns:r="http://schemas.openxmlformats.org/officeDocument/2006/relationships" xmlns:p="http://schemas.openxmlformats.org/presentationml/2006/main">
+  <p:cSld>
+    <p:spTree>
+      <p:nvGrpSpPr>
+        <p:cNvPr id="1" name=""/>
+        <p:cNvGrpSpPr/>
+        <p:nvPr/>
+      </p:nvGrpSpPr>
+      <p:grpSpPr>
+        <a:xfrm>
+          <a:off x="0" y="0"/>
+          <a:ext cx="0" cy="0"/>
+          <a:chOff x="0" y="0"/>
+          <a:chExt cx="0" cy="0"/>
+        </a:xfrm>
+      </p:grpSpPr>
+      <p:sp>
+        <p:nvSpPr>
+          <p:cNvPr id="2" name="Titre 1">
+            <a:extLst>
+              <a:ext uri="{FF2B5EF4-FFF2-40B4-BE49-F238E27FC236}">
+                <a16:creationId xmlns:a16="http://schemas.microsoft.com/office/drawing/2014/main" id="{74E21C3B-AB17-5642-A0A1-B585738804ED}"/>
+              </a:ext>
+            </a:extLst>
+          </p:cNvPr>
+          <p:cNvSpPr>
+            <a:spLocks noGrp="1"/>
+          </p:cNvSpPr>
+          <p:nvPr>
+            <p:ph type="title"/>
+          </p:nvPr>
+        </p:nvSpPr>
+        <p:spPr>
+          <a:xfrm>
+            <a:off x="838199" y="537883"/>
+            <a:ext cx="4783697" cy="1942810"/>
+          </a:xfrm>
+        </p:spPr>
+        <p:txBody>
+          <a:bodyPr anchor="b">
+            <a:normAutofit/>
+          </a:bodyPr>
+          <a:lstStyle/>
+          <a:p>
+            <a:r>
+              <a:rPr lang="fr-FR" sz="4000" b="1" dirty="0" err="1">
+                <a:latin typeface="Helvetica" pitchFamily="2" charset="0"/>
+              </a:rPr>
+              <a:t>Jdialogue</a:t>
+            </a:r>
+            <a:r>
+              <a:rPr lang="fr-FR" sz="4000" b="1" dirty="0">
+                <a:latin typeface="Helvetica" pitchFamily="2" charset="0"/>
+              </a:rPr>
+              <a:t> - </a:t>
+            </a:r>
+            <a:r>
+              <a:rPr lang="fr-FR" sz="4000" b="1" dirty="0" err="1">
+                <a:latin typeface="Helvetica" pitchFamily="2" charset="0"/>
+              </a:rPr>
+              <a:t>Theme</a:t>
+            </a:r>
+            <a:endParaRPr lang="fr-FR" sz="4000" b="1" dirty="0">
+              <a:latin typeface="Helvetica" pitchFamily="2" charset="0"/>
+            </a:endParaRPr>
+          </a:p>
+        </p:txBody>
+      </p:sp>
+      <p:sp>
+        <p:nvSpPr>
+          <p:cNvPr id="31" name="Espace réservé du contenu 2">
+            <a:extLst>
+              <a:ext uri="{FF2B5EF4-FFF2-40B4-BE49-F238E27FC236}">
+                <a16:creationId xmlns:a16="http://schemas.microsoft.com/office/drawing/2014/main" id="{236D7EC9-1580-7C44-9305-98DC0F334767}"/>
+              </a:ext>
+            </a:extLst>
+          </p:cNvPr>
+          <p:cNvSpPr>
+            <a:spLocks noGrp="1"/>
+          </p:cNvSpPr>
+          <p:nvPr>
+            <p:ph idx="1"/>
+          </p:nvPr>
+        </p:nvSpPr>
+        <p:spPr>
+          <a:xfrm>
+            <a:off x="838199" y="2686323"/>
+            <a:ext cx="4783697" cy="2929140"/>
+          </a:xfrm>
+        </p:spPr>
+        <p:txBody>
+          <a:bodyPr>
+            <a:normAutofit/>
+          </a:bodyPr>
+          <a:lstStyle/>
+          <a:p>
+            <a:pPr marL="0" indent="0" algn="just">
+              <a:buNone/>
+            </a:pPr>
+            <a:r>
+              <a:rPr lang="fr-CH" sz="1400" dirty="0">
+                <a:latin typeface="Helvetica" pitchFamily="2" charset="0"/>
+              </a:rPr>
+              <a:t>Le bouton «</a:t>
+            </a:r>
+            <a:r>
+              <a:rPr lang="fr-CH" sz="1400" dirty="0" err="1">
+                <a:latin typeface="Helvetica" pitchFamily="2" charset="0"/>
+              </a:rPr>
+              <a:t>Themes</a:t>
+            </a:r>
+            <a:r>
+              <a:rPr lang="fr-CH" sz="1400" dirty="0">
+                <a:latin typeface="Helvetica" pitchFamily="2" charset="0"/>
+              </a:rPr>
+              <a:t>» permet d’avoir accès à une boîte de dialogue dans laquelle on peut choisir une couleur parmi 5 couleurs proposés</a:t>
+            </a:r>
+          </a:p>
+          <a:p>
+            <a:pPr marL="0" indent="0">
+              <a:buNone/>
+            </a:pPr>
+            <a:endParaRPr lang="fr-CH" sz="800" dirty="0">
+              <a:latin typeface="Helvetica" pitchFamily="2" charset="0"/>
+            </a:endParaRPr>
+          </a:p>
+          <a:p>
+            <a:pPr marL="342900" indent="-342900">
+              <a:buFont typeface="+mj-lt"/>
+              <a:buAutoNum type="arabicPeriod"/>
+            </a:pPr>
+            <a:endParaRPr lang="fr-CH" sz="800" dirty="0">
+              <a:latin typeface="Helvetica" pitchFamily="2" charset="0"/>
+            </a:endParaRPr>
+          </a:p>
+          <a:p>
+            <a:pPr marL="0" indent="0">
+              <a:buNone/>
+            </a:pPr>
+            <a:endParaRPr lang="fr-CH" sz="800" dirty="0">
+              <a:latin typeface="Helvetica" pitchFamily="2" charset="0"/>
+            </a:endParaRPr>
+          </a:p>
+        </p:txBody>
+      </p:sp>
+      <p:sp>
+        <p:nvSpPr>
+          <p:cNvPr id="7" name="Espace réservé de la date 6">
+            <a:extLst>
+              <a:ext uri="{FF2B5EF4-FFF2-40B4-BE49-F238E27FC236}">
+                <a16:creationId xmlns:a16="http://schemas.microsoft.com/office/drawing/2014/main" id="{94C9C9D4-711C-E446-A401-8F671E529816}"/>
+              </a:ext>
+            </a:extLst>
+          </p:cNvPr>
+          <p:cNvSpPr>
+            <a:spLocks noGrp="1"/>
+          </p:cNvSpPr>
+          <p:nvPr>
+            <p:ph type="dt" sz="half" idx="10"/>
+          </p:nvPr>
+        </p:nvSpPr>
+        <p:spPr>
+          <a:xfrm>
+            <a:off x="838200" y="6356350"/>
+            <a:ext cx="2743200" cy="365125"/>
+          </a:xfrm>
+        </p:spPr>
+        <p:txBody>
+          <a:bodyPr>
+            <a:normAutofit/>
+          </a:bodyPr>
+          <a:lstStyle/>
+          <a:p>
+            <a:pPr>
+              <a:spcAft>
+                <a:spcPts val="600"/>
+              </a:spcAft>
+            </a:pPr>
+            <a:fld id="{4E70286C-9112-814D-8FD9-06C7A7E8EF85}" type="datetime6">
+              <a:rPr lang="fr-CH" smtClean="0"/>
+              <a:pPr>
+                <a:spcAft>
+                  <a:spcPts val="600"/>
+                </a:spcAft>
+              </a:pPr>
+              <a:t>juin 22</a:t>
+            </a:fld>
+            <a:endParaRPr lang="fr-FR" dirty="0"/>
+          </a:p>
+        </p:txBody>
+      </p:sp>
+      <p:sp>
+        <p:nvSpPr>
+          <p:cNvPr id="9" name="Espace réservé du pied de page 8">
+            <a:extLst>
+              <a:ext uri="{FF2B5EF4-FFF2-40B4-BE49-F238E27FC236}">
+                <a16:creationId xmlns:a16="http://schemas.microsoft.com/office/drawing/2014/main" id="{3D3A5E39-D9A1-F146-8FDC-D1EFB13632C9}"/>
+              </a:ext>
+            </a:extLst>
+          </p:cNvPr>
+          <p:cNvSpPr>
+            <a:spLocks noGrp="1"/>
+          </p:cNvSpPr>
+          <p:nvPr>
+            <p:ph type="ftr" sz="quarter" idx="11"/>
+          </p:nvPr>
+        </p:nvSpPr>
+        <p:spPr>
+          <a:xfrm>
+            <a:off x="4038600" y="6356350"/>
+            <a:ext cx="4114800" cy="365125"/>
+          </a:xfrm>
+        </p:spPr>
+        <p:txBody>
+          <a:bodyPr>
+            <a:normAutofit/>
+          </a:bodyPr>
+          <a:lstStyle/>
+          <a:p>
+            <a:pPr>
+              <a:spcAft>
+                <a:spcPts val="600"/>
+              </a:spcAft>
+            </a:pPr>
+            <a:r>
+              <a:rPr lang="fr-FR" dirty="0"/>
+              <a:t>MODULE IHM</a:t>
+            </a:r>
+          </a:p>
+        </p:txBody>
+      </p:sp>
+      <p:sp>
+        <p:nvSpPr>
+          <p:cNvPr id="8" name="Espace réservé du numéro de diapositive 7">
+            <a:extLst>
+              <a:ext uri="{FF2B5EF4-FFF2-40B4-BE49-F238E27FC236}">
+                <a16:creationId xmlns:a16="http://schemas.microsoft.com/office/drawing/2014/main" id="{EADA71FF-70B7-A549-8AC6-206E5A869C0B}"/>
+              </a:ext>
+            </a:extLst>
+          </p:cNvPr>
+          <p:cNvSpPr>
+            <a:spLocks noGrp="1"/>
+          </p:cNvSpPr>
+          <p:nvPr>
+            <p:ph type="sldNum" sz="quarter" idx="12"/>
+          </p:nvPr>
+        </p:nvSpPr>
+        <p:spPr>
+          <a:xfrm>
+            <a:off x="8610600" y="6356350"/>
+            <a:ext cx="2743200" cy="365125"/>
+          </a:xfrm>
+        </p:spPr>
+        <p:txBody>
+          <a:bodyPr>
+            <a:normAutofit/>
+          </a:bodyPr>
+          <a:lstStyle/>
+          <a:p>
+            <a:pPr>
+              <a:spcAft>
+                <a:spcPts val="600"/>
+              </a:spcAft>
+            </a:pPr>
+            <a:fld id="{1E415CF8-1919-7741-B18A-243CC21B2CD7}" type="slidenum">
+              <a:rPr lang="fr-FR" smtClean="0"/>
+              <a:pPr>
+                <a:spcAft>
+                  <a:spcPts val="600"/>
+                </a:spcAft>
+              </a:pPr>
+              <a:t>9</a:t>
+            </a:fld>
+            <a:endParaRPr lang="fr-FR"/>
+          </a:p>
+        </p:txBody>
+      </p:sp>
+      <p:pic>
+        <p:nvPicPr>
+          <p:cNvPr id="4" name="Image 3">
+            <a:extLst>
+              <a:ext uri="{FF2B5EF4-FFF2-40B4-BE49-F238E27FC236}">
+                <a16:creationId xmlns:a16="http://schemas.microsoft.com/office/drawing/2014/main" id="{ED8BD696-E7CD-49E8-A6EC-440F6CD1509C}"/>
+              </a:ext>
+            </a:extLst>
+          </p:cNvPr>
+          <p:cNvPicPr>
+            <a:picLocks noChangeAspect="1"/>
+          </p:cNvPicPr>
+          <p:nvPr/>
+        </p:nvPicPr>
+        <p:blipFill>
+          <a:blip r:embed="rId2"/>
+          <a:stretch>
+            <a:fillRect/>
+          </a:stretch>
+        </p:blipFill>
+        <p:spPr>
+          <a:xfrm>
+            <a:off x="6574082" y="1388264"/>
+            <a:ext cx="4695628" cy="3785057"/>
+          </a:xfrm>
+          <a:prstGeom prst="rect">
+            <a:avLst/>
+          </a:prstGeom>
+        </p:spPr>
+      </p:pic>
+      <p:sp>
+        <p:nvSpPr>
+          <p:cNvPr id="17" name="Rectangle 16">
+            <a:extLst>
+              <a:ext uri="{FF2B5EF4-FFF2-40B4-BE49-F238E27FC236}">
+                <a16:creationId xmlns:a16="http://schemas.microsoft.com/office/drawing/2014/main" id="{C9B7FC3A-E2D3-40E1-996B-CEC21FCC7FEC}"/>
+              </a:ext>
+            </a:extLst>
+          </p:cNvPr>
+          <p:cNvSpPr/>
+          <p:nvPr/>
+        </p:nvSpPr>
+        <p:spPr>
+          <a:xfrm>
+            <a:off x="10056149" y="1836963"/>
+            <a:ext cx="1209586" cy="3151416"/>
+          </a:xfrm>
+          <a:prstGeom prst="rect">
+            <a:avLst/>
+          </a:prstGeom>
+          <a:solidFill>
+            <a:schemeClr val="bg1">
+              <a:alpha val="73000"/>
+            </a:schemeClr>
+          </a:solidFill>
+          <a:ln w="28575" cap="flat" cmpd="sng" algn="ctr">
+            <a:solidFill>
+              <a:schemeClr val="bg1"/>
+            </a:solidFill>
+            <a:prstDash val="solid"/>
+            <a:round/>
+            <a:headEnd type="none" w="med" len="med"/>
+            <a:tailEnd type="none" w="med" len="med"/>
+          </a:ln>
+        </p:spPr>
+        <p:style>
+          <a:lnRef idx="0">
+            <a:scrgbClr r="0" g="0" b="0"/>
+          </a:lnRef>
+          <a:fillRef idx="0">
+            <a:scrgbClr r="0" g="0" b="0"/>
+          </a:fillRef>
+          <a:effectRef idx="0">
+            <a:scrgbClr r="0" g="0" b="0"/>
+          </a:effectRef>
+          <a:fontRef idx="minor">
+            <a:schemeClr val="accent2"/>
+          </a:fontRef>
+        </p:style>
+        <p:txBody>
+          <a:bodyPr rtlCol="0" anchor="ctr"/>
+          <a:lstStyle/>
+          <a:p>
+            <a:pPr algn="ctr"/>
+            <a:endParaRPr lang="fr-CH" b="1" dirty="0">
+              <a:solidFill>
+                <a:schemeClr val="bg1"/>
+              </a:solidFill>
+            </a:endParaRPr>
+          </a:p>
+        </p:txBody>
+      </p:sp>
+      <p:sp>
+        <p:nvSpPr>
+          <p:cNvPr id="13" name="Rectangle 12">
+            <a:extLst>
+              <a:ext uri="{FF2B5EF4-FFF2-40B4-BE49-F238E27FC236}">
+                <a16:creationId xmlns:a16="http://schemas.microsoft.com/office/drawing/2014/main" id="{3AA2E657-7651-45B6-AAF2-D2D6244749C6}"/>
+              </a:ext>
+            </a:extLst>
+          </p:cNvPr>
+          <p:cNvSpPr/>
+          <p:nvPr/>
+        </p:nvSpPr>
+        <p:spPr>
+          <a:xfrm>
+            <a:off x="6570106" y="1844043"/>
+            <a:ext cx="3476367" cy="3151415"/>
+          </a:xfrm>
+          <a:prstGeom prst="rect">
+            <a:avLst/>
+          </a:prstGeom>
+          <a:solidFill>
+            <a:schemeClr val="bg1">
+              <a:alpha val="73000"/>
+            </a:schemeClr>
+          </a:solidFill>
+          <a:ln w="28575" cap="flat" cmpd="sng" algn="ctr">
+            <a:solidFill>
+              <a:schemeClr val="bg1"/>
+            </a:solidFill>
+            <a:prstDash val="solid"/>
+            <a:round/>
+            <a:headEnd type="none" w="med" len="med"/>
+            <a:tailEnd type="none" w="med" len="med"/>
+          </a:ln>
+        </p:spPr>
+        <p:style>
+          <a:lnRef idx="0">
+            <a:scrgbClr r="0" g="0" b="0"/>
+          </a:lnRef>
+          <a:fillRef idx="0">
+            <a:scrgbClr r="0" g="0" b="0"/>
+          </a:fillRef>
+          <a:effectRef idx="0">
+            <a:scrgbClr r="0" g="0" b="0"/>
+          </a:effectRef>
+          <a:fontRef idx="minor">
+            <a:schemeClr val="accent2"/>
+          </a:fontRef>
+        </p:style>
+        <p:txBody>
+          <a:bodyPr rtlCol="0" anchor="ctr"/>
+          <a:lstStyle/>
+          <a:p>
+            <a:pPr algn="ctr"/>
+            <a:endParaRPr lang="fr-CH" b="1" dirty="0">
+              <a:solidFill>
+                <a:schemeClr val="bg1"/>
+              </a:solidFill>
+            </a:endParaRPr>
+          </a:p>
+        </p:txBody>
+      </p:sp>
+      <p:sp>
+        <p:nvSpPr>
+          <p:cNvPr id="14" name="Rectangle 13">
+            <a:extLst>
+              <a:ext uri="{FF2B5EF4-FFF2-40B4-BE49-F238E27FC236}">
+                <a16:creationId xmlns:a16="http://schemas.microsoft.com/office/drawing/2014/main" id="{A5AF0F22-B9BB-49ED-8401-8F2534DE1646}"/>
+              </a:ext>
+            </a:extLst>
+          </p:cNvPr>
+          <p:cNvSpPr/>
+          <p:nvPr/>
+        </p:nvSpPr>
+        <p:spPr>
+          <a:xfrm>
+            <a:off x="6583757" y="1664585"/>
+            <a:ext cx="4681977" cy="172377"/>
+          </a:xfrm>
+          <a:prstGeom prst="rect">
+            <a:avLst/>
+          </a:prstGeom>
+          <a:solidFill>
+            <a:schemeClr val="bg1">
+              <a:alpha val="73000"/>
+            </a:schemeClr>
+          </a:solidFill>
+          <a:ln w="28575" cap="flat" cmpd="sng" algn="ctr">
+            <a:solidFill>
+              <a:schemeClr val="bg1"/>
+            </a:solidFill>
+            <a:prstDash val="solid"/>
+            <a:round/>
+            <a:headEnd type="none" w="med" len="med"/>
+            <a:tailEnd type="none" w="med" len="med"/>
+          </a:ln>
+        </p:spPr>
+        <p:style>
+          <a:lnRef idx="0">
+            <a:scrgbClr r="0" g="0" b="0"/>
+          </a:lnRef>
+          <a:fillRef idx="0">
+            <a:scrgbClr r="0" g="0" b="0"/>
+          </a:fillRef>
+          <a:effectRef idx="0">
+            <a:scrgbClr r="0" g="0" b="0"/>
+          </a:effectRef>
+          <a:fontRef idx="minor">
+            <a:schemeClr val="accent2"/>
+          </a:fontRef>
+        </p:style>
+        <p:txBody>
+          <a:bodyPr rtlCol="0" anchor="ctr"/>
+          <a:lstStyle/>
+          <a:p>
+            <a:pPr algn="ctr"/>
+            <a:endParaRPr lang="fr-CH" b="1" dirty="0">
+              <a:solidFill>
+                <a:schemeClr val="bg1"/>
+              </a:solidFill>
+            </a:endParaRPr>
+          </a:p>
+        </p:txBody>
+      </p:sp>
+      <p:sp>
+        <p:nvSpPr>
+          <p:cNvPr id="18" name="Rectangle 17">
+            <a:extLst>
+              <a:ext uri="{FF2B5EF4-FFF2-40B4-BE49-F238E27FC236}">
+                <a16:creationId xmlns:a16="http://schemas.microsoft.com/office/drawing/2014/main" id="{1DC38979-CFB3-4F31-BBF3-A0CDFF624DB9}"/>
+              </a:ext>
+            </a:extLst>
+          </p:cNvPr>
+          <p:cNvSpPr/>
+          <p:nvPr/>
+        </p:nvSpPr>
+        <p:spPr>
+          <a:xfrm>
+            <a:off x="6583757" y="4988379"/>
+            <a:ext cx="4651719" cy="186537"/>
+          </a:xfrm>
+          <a:prstGeom prst="rect">
+            <a:avLst/>
+          </a:prstGeom>
+          <a:solidFill>
+            <a:schemeClr val="bg1">
+              <a:alpha val="73000"/>
+            </a:schemeClr>
+          </a:solidFill>
+          <a:ln w="28575" cap="flat" cmpd="sng" algn="ctr">
+            <a:solidFill>
+              <a:schemeClr val="bg1"/>
+            </a:solidFill>
+            <a:prstDash val="solid"/>
+            <a:round/>
+            <a:headEnd type="none" w="med" len="med"/>
+            <a:tailEnd type="none" w="med" len="med"/>
+          </a:ln>
+        </p:spPr>
+        <p:style>
+          <a:lnRef idx="0">
+            <a:scrgbClr r="0" g="0" b="0"/>
+          </a:lnRef>
+          <a:fillRef idx="0">
+            <a:scrgbClr r="0" g="0" b="0"/>
+          </a:fillRef>
+          <a:effectRef idx="0">
+            <a:scrgbClr r="0" g="0" b="0"/>
+          </a:effectRef>
+          <a:fontRef idx="minor">
+            <a:schemeClr val="accent2"/>
+          </a:fontRef>
+        </p:style>
+        <p:txBody>
+          <a:bodyPr rtlCol="0" anchor="ctr"/>
+          <a:lstStyle/>
+          <a:p>
+            <a:pPr algn="ctr"/>
+            <a:endParaRPr lang="fr-CH" b="1" dirty="0">
+              <a:solidFill>
+                <a:schemeClr val="bg1"/>
+              </a:solidFill>
+            </a:endParaRPr>
+          </a:p>
+        </p:txBody>
+      </p:sp>
+      <p:sp>
+        <p:nvSpPr>
+          <p:cNvPr id="15" name="Rectangle 14">
+            <a:extLst>
+              <a:ext uri="{FF2B5EF4-FFF2-40B4-BE49-F238E27FC236}">
+                <a16:creationId xmlns:a16="http://schemas.microsoft.com/office/drawing/2014/main" id="{1D705A5F-0E0D-4886-8D1D-8CB1C434A2BF}"/>
+              </a:ext>
+            </a:extLst>
+          </p:cNvPr>
+          <p:cNvSpPr/>
+          <p:nvPr/>
+        </p:nvSpPr>
+        <p:spPr>
+          <a:xfrm>
+            <a:off x="6583757" y="1404254"/>
+            <a:ext cx="4681977" cy="246171"/>
+          </a:xfrm>
+          <a:prstGeom prst="rect">
+            <a:avLst/>
+          </a:prstGeom>
+          <a:solidFill>
+            <a:schemeClr val="bg1">
+              <a:alpha val="73000"/>
+            </a:schemeClr>
+          </a:solidFill>
+          <a:ln w="28575" cap="flat" cmpd="sng" algn="ctr">
+            <a:solidFill>
+              <a:schemeClr val="bg1"/>
+            </a:solidFill>
+            <a:prstDash val="solid"/>
+            <a:round/>
+            <a:headEnd type="none" w="med" len="med"/>
+            <a:tailEnd type="none" w="med" len="med"/>
+          </a:ln>
+        </p:spPr>
+        <p:style>
+          <a:lnRef idx="0">
+            <a:scrgbClr r="0" g="0" b="0"/>
+          </a:lnRef>
+          <a:fillRef idx="0">
+            <a:scrgbClr r="0" g="0" b="0"/>
+          </a:fillRef>
+          <a:effectRef idx="0">
+            <a:scrgbClr r="0" g="0" b="0"/>
+          </a:effectRef>
+          <a:fontRef idx="minor">
+            <a:schemeClr val="accent2"/>
+          </a:fontRef>
+        </p:style>
+        <p:txBody>
+          <a:bodyPr rtlCol="0" anchor="ctr"/>
+          <a:lstStyle/>
+          <a:p>
+            <a:pPr algn="ctr"/>
+            <a:endParaRPr lang="fr-CH" b="1" dirty="0">
+              <a:solidFill>
+                <a:schemeClr val="bg1"/>
+              </a:solidFill>
+            </a:endParaRPr>
+          </a:p>
+        </p:txBody>
+      </p:sp>
+      <p:pic>
+        <p:nvPicPr>
+          <p:cNvPr id="10" name="Image 9">
+            <a:extLst>
+              <a:ext uri="{FF2B5EF4-FFF2-40B4-BE49-F238E27FC236}">
+                <a16:creationId xmlns:a16="http://schemas.microsoft.com/office/drawing/2014/main" id="{B38AC773-2307-43AB-998E-2214DA4D3F2A}"/>
+              </a:ext>
+            </a:extLst>
+          </p:cNvPr>
+          <p:cNvPicPr>
+            <a:picLocks noChangeAspect="1"/>
+          </p:cNvPicPr>
+          <p:nvPr/>
+        </p:nvPicPr>
+        <p:blipFill>
+          <a:blip r:embed="rId3"/>
+          <a:stretch>
+            <a:fillRect/>
+          </a:stretch>
+        </p:blipFill>
+        <p:spPr>
+          <a:xfrm>
+            <a:off x="7474225" y="2698147"/>
+            <a:ext cx="2893227" cy="1146972"/>
+          </a:xfrm>
+          <a:prstGeom prst="rect">
+            <a:avLst/>
+          </a:prstGeom>
+        </p:spPr>
+      </p:pic>
+    </p:spTree>
+    <p:extLst>
+      <p:ext uri="{BB962C8B-B14F-4D97-AF65-F5344CB8AC3E}">
+        <p14:creationId xmlns:p14="http://schemas.microsoft.com/office/powerpoint/2010/main" val="3688022794"/>
       </p:ext>
     </p:extLst>
   </p:cSld>
